--- a/10python/starter/Logic puzzles.pptx
+++ b/10python/starter/Logic puzzles.pptx
@@ -1,8 +1,8 @@
 
 <file path=ppt/presentation.xml><?xml version="1.0" encoding="utf-8"?>
-<p:presentation xmlns:a="http://schemas.openxmlformats.org/drawingml/2006/main" xmlns:r="http://schemas.openxmlformats.org/officeDocument/2006/relationships" xmlns:mc="http://schemas.openxmlformats.org/markup-compatibility/2006" xmlns:mv="urn:schemas-microsoft-com:mac:vml" xmlns:p="http://schemas.openxmlformats.org/presentationml/2006/main" mc:Ignorable="mv" mc:PreserveAttributes="mv:*" saveSubsetFonts="1">
+<p:presentation xmlns:a="http://schemas.openxmlformats.org/drawingml/2006/main" xmlns:r="http://schemas.openxmlformats.org/officeDocument/2006/relationships" xmlns:p="http://schemas.openxmlformats.org/presentationml/2006/main" saveSubsetFonts="1">
   <p:sldMasterIdLst>
-    <p:sldMasterId r:id="rId1"/>
+    <p:sldMasterId id="2147483648" r:id="rId1"/>
   </p:sldMasterIdLst>
   <p:sldIdLst>
     <p:sldId id="257" r:id="rId2"/>
@@ -119,7 +119,7 @@
 </file>
 
 <file path=ppt/slideLayouts/slideLayout1.xml><?xml version="1.0" encoding="utf-8"?>
-<p:sldLayout xmlns:a="http://schemas.openxmlformats.org/drawingml/2006/main" xmlns:r="http://schemas.openxmlformats.org/officeDocument/2006/relationships" xmlns:mc="http://schemas.openxmlformats.org/markup-compatibility/2006" xmlns:mv="urn:schemas-microsoft-com:mac:vml" xmlns:p="http://schemas.openxmlformats.org/presentationml/2006/main" mc:Ignorable="mv" mc:PreserveAttributes="mv:*" type="title" preserve="1">
+<p:sldLayout xmlns:a="http://schemas.openxmlformats.org/drawingml/2006/main" xmlns:r="http://schemas.openxmlformats.org/officeDocument/2006/relationships" xmlns:p="http://schemas.openxmlformats.org/presentationml/2006/main" type="title" preserve="1">
   <p:cSld name="Title Slide">
     <p:spTree>
       <p:nvGrpSpPr>
@@ -300,7 +300,7 @@
             <a:fld id="{D889EAA9-9342-4629-9CE8-EFE968DD11F6}" type="datetimeFigureOut">
               <a:rPr lang="en-GB" smtClean="0"/>
               <a:pPr/>
-              <a:t>9/17/12</a:t>
+              <a:t>10/12/2016</a:t>
             </a:fld>
             <a:endParaRPr lang="en-GB"/>
           </a:p>
@@ -352,7 +352,7 @@
     </p:spTree>
     <p:extLst>
       <p:ext uri="{BB962C8B-B14F-4D97-AF65-F5344CB8AC3E}">
-        <p14:creationId xmlns="" xmlns:a="http://schemas.openxmlformats.org/drawingml/2006/main" xmlns:r="http://schemas.openxmlformats.org/officeDocument/2006/relationships" xmlns:p="http://schemas.openxmlformats.org/presentationml/2006/main" xmlns:p14="http://schemas.microsoft.com/office/powerpoint/2010/main" xmlns:mv="urn:schemas-microsoft-com:mac:vml" xmlns:mc="http://schemas.openxmlformats.org/markup-compatibility/2006" val="2506524395"/>
+        <p14:creationId xmlns:mc="http://schemas.openxmlformats.org/markup-compatibility/2006" xmlns:mv="urn:schemas-microsoft-com:mac:vml" xmlns:p14="http://schemas.microsoft.com/office/powerpoint/2010/main" xmlns="" val="2506524395"/>
       </p:ext>
     </p:extLst>
   </p:cSld>
@@ -363,7 +363,7 @@
 </file>
 
 <file path=ppt/slideLayouts/slideLayout10.xml><?xml version="1.0" encoding="utf-8"?>
-<p:sldLayout xmlns:a="http://schemas.openxmlformats.org/drawingml/2006/main" xmlns:r="http://schemas.openxmlformats.org/officeDocument/2006/relationships" xmlns:mc="http://schemas.openxmlformats.org/markup-compatibility/2006" xmlns:mv="urn:schemas-microsoft-com:mac:vml" xmlns:p="http://schemas.openxmlformats.org/presentationml/2006/main" mc:Ignorable="mv" mc:PreserveAttributes="mv:*" type="vertTx" preserve="1">
+<p:sldLayout xmlns:a="http://schemas.openxmlformats.org/drawingml/2006/main" xmlns:r="http://schemas.openxmlformats.org/officeDocument/2006/relationships" xmlns:p="http://schemas.openxmlformats.org/presentationml/2006/main" type="vertTx" preserve="1">
   <p:cSld name="Title and Vertical Text">
     <p:spTree>
       <p:nvGrpSpPr>
@@ -472,7 +472,7 @@
             <a:fld id="{D889EAA9-9342-4629-9CE8-EFE968DD11F6}" type="datetimeFigureOut">
               <a:rPr lang="en-GB" smtClean="0"/>
               <a:pPr/>
-              <a:t>9/17/12</a:t>
+              <a:t>10/12/2016</a:t>
             </a:fld>
             <a:endParaRPr lang="en-GB"/>
           </a:p>
@@ -524,7 +524,7 @@
     </p:spTree>
     <p:extLst>
       <p:ext uri="{BB962C8B-B14F-4D97-AF65-F5344CB8AC3E}">
-        <p14:creationId xmlns="" xmlns:a="http://schemas.openxmlformats.org/drawingml/2006/main" xmlns:r="http://schemas.openxmlformats.org/officeDocument/2006/relationships" xmlns:p="http://schemas.openxmlformats.org/presentationml/2006/main" xmlns:p14="http://schemas.microsoft.com/office/powerpoint/2010/main" xmlns:mv="urn:schemas-microsoft-com:mac:vml" xmlns:mc="http://schemas.openxmlformats.org/markup-compatibility/2006" val="1934409019"/>
+        <p14:creationId xmlns:mc="http://schemas.openxmlformats.org/markup-compatibility/2006" xmlns:mv="urn:schemas-microsoft-com:mac:vml" xmlns:p14="http://schemas.microsoft.com/office/powerpoint/2010/main" xmlns="" val="1934409019"/>
       </p:ext>
     </p:extLst>
   </p:cSld>
@@ -535,7 +535,7 @@
 </file>
 
 <file path=ppt/slideLayouts/slideLayout11.xml><?xml version="1.0" encoding="utf-8"?>
-<p:sldLayout xmlns:a="http://schemas.openxmlformats.org/drawingml/2006/main" xmlns:r="http://schemas.openxmlformats.org/officeDocument/2006/relationships" xmlns:mc="http://schemas.openxmlformats.org/markup-compatibility/2006" xmlns:mv="urn:schemas-microsoft-com:mac:vml" xmlns:p="http://schemas.openxmlformats.org/presentationml/2006/main" mc:Ignorable="mv" mc:PreserveAttributes="mv:*" type="vertTitleAndTx" preserve="1">
+<p:sldLayout xmlns:a="http://schemas.openxmlformats.org/drawingml/2006/main" xmlns:r="http://schemas.openxmlformats.org/officeDocument/2006/relationships" xmlns:p="http://schemas.openxmlformats.org/presentationml/2006/main" type="vertTitleAndTx" preserve="1">
   <p:cSld name="Vertical Title and Text">
     <p:spTree>
       <p:nvGrpSpPr>
@@ -654,7 +654,7 @@
             <a:fld id="{D889EAA9-9342-4629-9CE8-EFE968DD11F6}" type="datetimeFigureOut">
               <a:rPr lang="en-GB" smtClean="0"/>
               <a:pPr/>
-              <a:t>9/17/12</a:t>
+              <a:t>10/12/2016</a:t>
             </a:fld>
             <a:endParaRPr lang="en-GB"/>
           </a:p>
@@ -706,7 +706,7 @@
     </p:spTree>
     <p:extLst>
       <p:ext uri="{BB962C8B-B14F-4D97-AF65-F5344CB8AC3E}">
-        <p14:creationId xmlns="" xmlns:a="http://schemas.openxmlformats.org/drawingml/2006/main" xmlns:r="http://schemas.openxmlformats.org/officeDocument/2006/relationships" xmlns:p="http://schemas.openxmlformats.org/presentationml/2006/main" xmlns:p14="http://schemas.microsoft.com/office/powerpoint/2010/main" xmlns:mv="urn:schemas-microsoft-com:mac:vml" xmlns:mc="http://schemas.openxmlformats.org/markup-compatibility/2006" val="2470187032"/>
+        <p14:creationId xmlns:mc="http://schemas.openxmlformats.org/markup-compatibility/2006" xmlns:mv="urn:schemas-microsoft-com:mac:vml" xmlns:p14="http://schemas.microsoft.com/office/powerpoint/2010/main" xmlns="" val="2470187032"/>
       </p:ext>
     </p:extLst>
   </p:cSld>
@@ -717,7 +717,7 @@
 </file>
 
 <file path=ppt/slideLayouts/slideLayout2.xml><?xml version="1.0" encoding="utf-8"?>
-<p:sldLayout xmlns:a="http://schemas.openxmlformats.org/drawingml/2006/main" xmlns:r="http://schemas.openxmlformats.org/officeDocument/2006/relationships" xmlns:mc="http://schemas.openxmlformats.org/markup-compatibility/2006" xmlns:mv="urn:schemas-microsoft-com:mac:vml" xmlns:p="http://schemas.openxmlformats.org/presentationml/2006/main" mc:Ignorable="mv" mc:PreserveAttributes="mv:*" type="obj" preserve="1">
+<p:sldLayout xmlns:a="http://schemas.openxmlformats.org/drawingml/2006/main" xmlns:r="http://schemas.openxmlformats.org/officeDocument/2006/relationships" xmlns:p="http://schemas.openxmlformats.org/presentationml/2006/main" type="obj" preserve="1">
   <p:cSld name="Title and Content">
     <p:spTree>
       <p:nvGrpSpPr>
@@ -826,7 +826,7 @@
             <a:fld id="{D889EAA9-9342-4629-9CE8-EFE968DD11F6}" type="datetimeFigureOut">
               <a:rPr lang="en-GB" smtClean="0"/>
               <a:pPr/>
-              <a:t>9/17/12</a:t>
+              <a:t>10/12/2016</a:t>
             </a:fld>
             <a:endParaRPr lang="en-GB"/>
           </a:p>
@@ -878,7 +878,7 @@
     </p:spTree>
     <p:extLst>
       <p:ext uri="{BB962C8B-B14F-4D97-AF65-F5344CB8AC3E}">
-        <p14:creationId xmlns="" xmlns:a="http://schemas.openxmlformats.org/drawingml/2006/main" xmlns:r="http://schemas.openxmlformats.org/officeDocument/2006/relationships" xmlns:p="http://schemas.openxmlformats.org/presentationml/2006/main" xmlns:p14="http://schemas.microsoft.com/office/powerpoint/2010/main" xmlns:mv="urn:schemas-microsoft-com:mac:vml" xmlns:mc="http://schemas.openxmlformats.org/markup-compatibility/2006" val="1672983333"/>
+        <p14:creationId xmlns:mc="http://schemas.openxmlformats.org/markup-compatibility/2006" xmlns:mv="urn:schemas-microsoft-com:mac:vml" xmlns:p14="http://schemas.microsoft.com/office/powerpoint/2010/main" xmlns="" val="1672983333"/>
       </p:ext>
     </p:extLst>
   </p:cSld>
@@ -889,7 +889,7 @@
 </file>
 
 <file path=ppt/slideLayouts/slideLayout3.xml><?xml version="1.0" encoding="utf-8"?>
-<p:sldLayout xmlns:a="http://schemas.openxmlformats.org/drawingml/2006/main" xmlns:r="http://schemas.openxmlformats.org/officeDocument/2006/relationships" xmlns:mc="http://schemas.openxmlformats.org/markup-compatibility/2006" xmlns:mv="urn:schemas-microsoft-com:mac:vml" xmlns:p="http://schemas.openxmlformats.org/presentationml/2006/main" mc:Ignorable="mv" mc:PreserveAttributes="mv:*" type="secHead" preserve="1">
+<p:sldLayout xmlns:a="http://schemas.openxmlformats.org/drawingml/2006/main" xmlns:r="http://schemas.openxmlformats.org/officeDocument/2006/relationships" xmlns:p="http://schemas.openxmlformats.org/presentationml/2006/main" type="secHead" preserve="1">
   <p:cSld name="Section Header">
     <p:spTree>
       <p:nvGrpSpPr>
@@ -1074,7 +1074,7 @@
             <a:fld id="{D889EAA9-9342-4629-9CE8-EFE968DD11F6}" type="datetimeFigureOut">
               <a:rPr lang="en-GB" smtClean="0"/>
               <a:pPr/>
-              <a:t>9/17/12</a:t>
+              <a:t>10/12/2016</a:t>
             </a:fld>
             <a:endParaRPr lang="en-GB"/>
           </a:p>
@@ -1126,7 +1126,7 @@
     </p:spTree>
     <p:extLst>
       <p:ext uri="{BB962C8B-B14F-4D97-AF65-F5344CB8AC3E}">
-        <p14:creationId xmlns="" xmlns:a="http://schemas.openxmlformats.org/drawingml/2006/main" xmlns:r="http://schemas.openxmlformats.org/officeDocument/2006/relationships" xmlns:p="http://schemas.openxmlformats.org/presentationml/2006/main" xmlns:p14="http://schemas.microsoft.com/office/powerpoint/2010/main" xmlns:mv="urn:schemas-microsoft-com:mac:vml" xmlns:mc="http://schemas.openxmlformats.org/markup-compatibility/2006" val="827144258"/>
+        <p14:creationId xmlns:mc="http://schemas.openxmlformats.org/markup-compatibility/2006" xmlns:mv="urn:schemas-microsoft-com:mac:vml" xmlns:p14="http://schemas.microsoft.com/office/powerpoint/2010/main" xmlns="" val="827144258"/>
       </p:ext>
     </p:extLst>
   </p:cSld>
@@ -1137,7 +1137,7 @@
 </file>
 
 <file path=ppt/slideLayouts/slideLayout4.xml><?xml version="1.0" encoding="utf-8"?>
-<p:sldLayout xmlns:a="http://schemas.openxmlformats.org/drawingml/2006/main" xmlns:r="http://schemas.openxmlformats.org/officeDocument/2006/relationships" xmlns:mc="http://schemas.openxmlformats.org/markup-compatibility/2006" xmlns:mv="urn:schemas-microsoft-com:mac:vml" xmlns:p="http://schemas.openxmlformats.org/presentationml/2006/main" mc:Ignorable="mv" mc:PreserveAttributes="mv:*" type="twoObj" preserve="1">
+<p:sldLayout xmlns:a="http://schemas.openxmlformats.org/drawingml/2006/main" xmlns:r="http://schemas.openxmlformats.org/officeDocument/2006/relationships" xmlns:p="http://schemas.openxmlformats.org/presentationml/2006/main" type="twoObj" preserve="1">
   <p:cSld name="Two Content">
     <p:spTree>
       <p:nvGrpSpPr>
@@ -1364,7 +1364,7 @@
             <a:fld id="{D889EAA9-9342-4629-9CE8-EFE968DD11F6}" type="datetimeFigureOut">
               <a:rPr lang="en-GB" smtClean="0"/>
               <a:pPr/>
-              <a:t>9/17/12</a:t>
+              <a:t>10/12/2016</a:t>
             </a:fld>
             <a:endParaRPr lang="en-GB"/>
           </a:p>
@@ -1416,7 +1416,7 @@
     </p:spTree>
     <p:extLst>
       <p:ext uri="{BB962C8B-B14F-4D97-AF65-F5344CB8AC3E}">
-        <p14:creationId xmlns="" xmlns:a="http://schemas.openxmlformats.org/drawingml/2006/main" xmlns:r="http://schemas.openxmlformats.org/officeDocument/2006/relationships" xmlns:p="http://schemas.openxmlformats.org/presentationml/2006/main" xmlns:p14="http://schemas.microsoft.com/office/powerpoint/2010/main" xmlns:mv="urn:schemas-microsoft-com:mac:vml" xmlns:mc="http://schemas.openxmlformats.org/markup-compatibility/2006" val="1184237317"/>
+        <p14:creationId xmlns:mc="http://schemas.openxmlformats.org/markup-compatibility/2006" xmlns:mv="urn:schemas-microsoft-com:mac:vml" xmlns:p14="http://schemas.microsoft.com/office/powerpoint/2010/main" xmlns="" val="1184237317"/>
       </p:ext>
     </p:extLst>
   </p:cSld>
@@ -1427,7 +1427,7 @@
 </file>
 
 <file path=ppt/slideLayouts/slideLayout5.xml><?xml version="1.0" encoding="utf-8"?>
-<p:sldLayout xmlns:a="http://schemas.openxmlformats.org/drawingml/2006/main" xmlns:r="http://schemas.openxmlformats.org/officeDocument/2006/relationships" xmlns:mc="http://schemas.openxmlformats.org/markup-compatibility/2006" xmlns:mv="urn:schemas-microsoft-com:mac:vml" xmlns:p="http://schemas.openxmlformats.org/presentationml/2006/main" mc:Ignorable="mv" mc:PreserveAttributes="mv:*" type="twoTxTwoObj" preserve="1">
+<p:sldLayout xmlns:a="http://schemas.openxmlformats.org/drawingml/2006/main" xmlns:r="http://schemas.openxmlformats.org/officeDocument/2006/relationships" xmlns:p="http://schemas.openxmlformats.org/presentationml/2006/main" type="twoTxTwoObj" preserve="1">
   <p:cSld name="Comparison">
     <p:spTree>
       <p:nvGrpSpPr>
@@ -1788,7 +1788,7 @@
             <a:fld id="{D889EAA9-9342-4629-9CE8-EFE968DD11F6}" type="datetimeFigureOut">
               <a:rPr lang="en-GB" smtClean="0"/>
               <a:pPr/>
-              <a:t>9/17/12</a:t>
+              <a:t>10/12/2016</a:t>
             </a:fld>
             <a:endParaRPr lang="en-GB"/>
           </a:p>
@@ -1840,7 +1840,7 @@
     </p:spTree>
     <p:extLst>
       <p:ext uri="{BB962C8B-B14F-4D97-AF65-F5344CB8AC3E}">
-        <p14:creationId xmlns="" xmlns:a="http://schemas.openxmlformats.org/drawingml/2006/main" xmlns:r="http://schemas.openxmlformats.org/officeDocument/2006/relationships" xmlns:p="http://schemas.openxmlformats.org/presentationml/2006/main" xmlns:p14="http://schemas.microsoft.com/office/powerpoint/2010/main" xmlns:mv="urn:schemas-microsoft-com:mac:vml" xmlns:mc="http://schemas.openxmlformats.org/markup-compatibility/2006" val="2597037803"/>
+        <p14:creationId xmlns:mc="http://schemas.openxmlformats.org/markup-compatibility/2006" xmlns:mv="urn:schemas-microsoft-com:mac:vml" xmlns:p14="http://schemas.microsoft.com/office/powerpoint/2010/main" xmlns="" val="2597037803"/>
       </p:ext>
     </p:extLst>
   </p:cSld>
@@ -1851,7 +1851,7 @@
 </file>
 
 <file path=ppt/slideLayouts/slideLayout6.xml><?xml version="1.0" encoding="utf-8"?>
-<p:sldLayout xmlns:a="http://schemas.openxmlformats.org/drawingml/2006/main" xmlns:r="http://schemas.openxmlformats.org/officeDocument/2006/relationships" xmlns:mc="http://schemas.openxmlformats.org/markup-compatibility/2006" xmlns:mv="urn:schemas-microsoft-com:mac:vml" xmlns:p="http://schemas.openxmlformats.org/presentationml/2006/main" mc:Ignorable="mv" mc:PreserveAttributes="mv:*" type="titleOnly" preserve="1">
+<p:sldLayout xmlns:a="http://schemas.openxmlformats.org/drawingml/2006/main" xmlns:r="http://schemas.openxmlformats.org/officeDocument/2006/relationships" xmlns:p="http://schemas.openxmlformats.org/presentationml/2006/main" type="titleOnly" preserve="1">
   <p:cSld name="Title Only">
     <p:spTree>
       <p:nvGrpSpPr>
@@ -1908,7 +1908,7 @@
             <a:fld id="{D889EAA9-9342-4629-9CE8-EFE968DD11F6}" type="datetimeFigureOut">
               <a:rPr lang="en-GB" smtClean="0"/>
               <a:pPr/>
-              <a:t>9/17/12</a:t>
+              <a:t>10/12/2016</a:t>
             </a:fld>
             <a:endParaRPr lang="en-GB"/>
           </a:p>
@@ -1960,7 +1960,7 @@
     </p:spTree>
     <p:extLst>
       <p:ext uri="{BB962C8B-B14F-4D97-AF65-F5344CB8AC3E}">
-        <p14:creationId xmlns="" xmlns:a="http://schemas.openxmlformats.org/drawingml/2006/main" xmlns:r="http://schemas.openxmlformats.org/officeDocument/2006/relationships" xmlns:p="http://schemas.openxmlformats.org/presentationml/2006/main" xmlns:p14="http://schemas.microsoft.com/office/powerpoint/2010/main" xmlns:mv="urn:schemas-microsoft-com:mac:vml" xmlns:mc="http://schemas.openxmlformats.org/markup-compatibility/2006" val="3495429579"/>
+        <p14:creationId xmlns:mc="http://schemas.openxmlformats.org/markup-compatibility/2006" xmlns:mv="urn:schemas-microsoft-com:mac:vml" xmlns:p14="http://schemas.microsoft.com/office/powerpoint/2010/main" xmlns="" val="3495429579"/>
       </p:ext>
     </p:extLst>
   </p:cSld>
@@ -1971,7 +1971,7 @@
 </file>
 
 <file path=ppt/slideLayouts/slideLayout7.xml><?xml version="1.0" encoding="utf-8"?>
-<p:sldLayout xmlns:a="http://schemas.openxmlformats.org/drawingml/2006/main" xmlns:r="http://schemas.openxmlformats.org/officeDocument/2006/relationships" xmlns:mc="http://schemas.openxmlformats.org/markup-compatibility/2006" xmlns:mv="urn:schemas-microsoft-com:mac:vml" xmlns:p="http://schemas.openxmlformats.org/presentationml/2006/main" mc:Ignorable="mv" mc:PreserveAttributes="mv:*" type="blank" preserve="1">
+<p:sldLayout xmlns:a="http://schemas.openxmlformats.org/drawingml/2006/main" xmlns:r="http://schemas.openxmlformats.org/officeDocument/2006/relationships" xmlns:p="http://schemas.openxmlformats.org/presentationml/2006/main" type="blank" preserve="1">
   <p:cSld name="Blank">
     <p:spTree>
       <p:nvGrpSpPr>
@@ -2005,7 +2005,7 @@
             <a:fld id="{D889EAA9-9342-4629-9CE8-EFE968DD11F6}" type="datetimeFigureOut">
               <a:rPr lang="en-GB" smtClean="0"/>
               <a:pPr/>
-              <a:t>9/17/12</a:t>
+              <a:t>10/12/2016</a:t>
             </a:fld>
             <a:endParaRPr lang="en-GB"/>
           </a:p>
@@ -2057,7 +2057,7 @@
     </p:spTree>
     <p:extLst>
       <p:ext uri="{BB962C8B-B14F-4D97-AF65-F5344CB8AC3E}">
-        <p14:creationId xmlns="" xmlns:a="http://schemas.openxmlformats.org/drawingml/2006/main" xmlns:r="http://schemas.openxmlformats.org/officeDocument/2006/relationships" xmlns:p="http://schemas.openxmlformats.org/presentationml/2006/main" xmlns:p14="http://schemas.microsoft.com/office/powerpoint/2010/main" xmlns:mv="urn:schemas-microsoft-com:mac:vml" xmlns:mc="http://schemas.openxmlformats.org/markup-compatibility/2006" val="2310924323"/>
+        <p14:creationId xmlns:mc="http://schemas.openxmlformats.org/markup-compatibility/2006" xmlns:mv="urn:schemas-microsoft-com:mac:vml" xmlns:p14="http://schemas.microsoft.com/office/powerpoint/2010/main" xmlns="" val="2310924323"/>
       </p:ext>
     </p:extLst>
   </p:cSld>
@@ -2068,7 +2068,7 @@
 </file>
 
 <file path=ppt/slideLayouts/slideLayout8.xml><?xml version="1.0" encoding="utf-8"?>
-<p:sldLayout xmlns:a="http://schemas.openxmlformats.org/drawingml/2006/main" xmlns:r="http://schemas.openxmlformats.org/officeDocument/2006/relationships" xmlns:mc="http://schemas.openxmlformats.org/markup-compatibility/2006" xmlns:mv="urn:schemas-microsoft-com:mac:vml" xmlns:p="http://schemas.openxmlformats.org/presentationml/2006/main" mc:Ignorable="mv" mc:PreserveAttributes="mv:*" type="objTx" preserve="1">
+<p:sldLayout xmlns:a="http://schemas.openxmlformats.org/drawingml/2006/main" xmlns:r="http://schemas.openxmlformats.org/officeDocument/2006/relationships" xmlns:p="http://schemas.openxmlformats.org/presentationml/2006/main" type="objTx" preserve="1">
   <p:cSld name="Content with Caption">
     <p:spTree>
       <p:nvGrpSpPr>
@@ -2284,7 +2284,7 @@
             <a:fld id="{D889EAA9-9342-4629-9CE8-EFE968DD11F6}" type="datetimeFigureOut">
               <a:rPr lang="en-GB" smtClean="0"/>
               <a:pPr/>
-              <a:t>9/17/12</a:t>
+              <a:t>10/12/2016</a:t>
             </a:fld>
             <a:endParaRPr lang="en-GB"/>
           </a:p>
@@ -2336,7 +2336,7 @@
     </p:spTree>
     <p:extLst>
       <p:ext uri="{BB962C8B-B14F-4D97-AF65-F5344CB8AC3E}">
-        <p14:creationId xmlns="" xmlns:a="http://schemas.openxmlformats.org/drawingml/2006/main" xmlns:r="http://schemas.openxmlformats.org/officeDocument/2006/relationships" xmlns:p="http://schemas.openxmlformats.org/presentationml/2006/main" xmlns:p14="http://schemas.microsoft.com/office/powerpoint/2010/main" xmlns:mv="urn:schemas-microsoft-com:mac:vml" xmlns:mc="http://schemas.openxmlformats.org/markup-compatibility/2006" val="4011164961"/>
+        <p14:creationId xmlns:mc="http://schemas.openxmlformats.org/markup-compatibility/2006" xmlns:mv="urn:schemas-microsoft-com:mac:vml" xmlns:p14="http://schemas.microsoft.com/office/powerpoint/2010/main" xmlns="" val="4011164961"/>
       </p:ext>
     </p:extLst>
   </p:cSld>
@@ -2347,7 +2347,7 @@
 </file>
 
 <file path=ppt/slideLayouts/slideLayout9.xml><?xml version="1.0" encoding="utf-8"?>
-<p:sldLayout xmlns:a="http://schemas.openxmlformats.org/drawingml/2006/main" xmlns:r="http://schemas.openxmlformats.org/officeDocument/2006/relationships" xmlns:mc="http://schemas.openxmlformats.org/markup-compatibility/2006" xmlns:mv="urn:schemas-microsoft-com:mac:vml" xmlns:p="http://schemas.openxmlformats.org/presentationml/2006/main" mc:Ignorable="mv" mc:PreserveAttributes="mv:*" type="picTx" preserve="1">
+<p:sldLayout xmlns:a="http://schemas.openxmlformats.org/drawingml/2006/main" xmlns:r="http://schemas.openxmlformats.org/officeDocument/2006/relationships" xmlns:p="http://schemas.openxmlformats.org/presentationml/2006/main" type="picTx" preserve="1">
   <p:cSld name="Picture with Caption">
     <p:spTree>
       <p:nvGrpSpPr>
@@ -2539,7 +2539,7 @@
             <a:fld id="{D889EAA9-9342-4629-9CE8-EFE968DD11F6}" type="datetimeFigureOut">
               <a:rPr lang="en-GB" smtClean="0"/>
               <a:pPr/>
-              <a:t>9/17/12</a:t>
+              <a:t>10/12/2016</a:t>
             </a:fld>
             <a:endParaRPr lang="en-GB"/>
           </a:p>
@@ -2591,7 +2591,7 @@
     </p:spTree>
     <p:extLst>
       <p:ext uri="{BB962C8B-B14F-4D97-AF65-F5344CB8AC3E}">
-        <p14:creationId xmlns="" xmlns:a="http://schemas.openxmlformats.org/drawingml/2006/main" xmlns:r="http://schemas.openxmlformats.org/officeDocument/2006/relationships" xmlns:p="http://schemas.openxmlformats.org/presentationml/2006/main" xmlns:p14="http://schemas.microsoft.com/office/powerpoint/2010/main" xmlns:mv="urn:schemas-microsoft-com:mac:vml" xmlns:mc="http://schemas.openxmlformats.org/markup-compatibility/2006" val="2209154904"/>
+        <p14:creationId xmlns:mc="http://schemas.openxmlformats.org/markup-compatibility/2006" xmlns:mv="urn:schemas-microsoft-com:mac:vml" xmlns:p14="http://schemas.microsoft.com/office/powerpoint/2010/main" xmlns="" val="2209154904"/>
       </p:ext>
     </p:extLst>
   </p:cSld>
@@ -2602,7 +2602,7 @@
 </file>
 
 <file path=ppt/slideMasters/slideMaster1.xml><?xml version="1.0" encoding="utf-8"?>
-<p:sldMaster xmlns:a="http://schemas.openxmlformats.org/drawingml/2006/main" xmlns:r="http://schemas.openxmlformats.org/officeDocument/2006/relationships" xmlns:mc="http://schemas.openxmlformats.org/markup-compatibility/2006" xmlns:mv="urn:schemas-microsoft-com:mac:vml" xmlns:p="http://schemas.openxmlformats.org/presentationml/2006/main" mc:Ignorable="mv" mc:PreserveAttributes="mv:*">
+<p:sldMaster xmlns:a="http://schemas.openxmlformats.org/drawingml/2006/main" xmlns:r="http://schemas.openxmlformats.org/officeDocument/2006/relationships" xmlns:p="http://schemas.openxmlformats.org/presentationml/2006/main">
   <p:cSld>
     <p:bg>
       <p:bgRef idx="1001">
@@ -2754,7 +2754,7 @@
             <a:fld id="{D889EAA9-9342-4629-9CE8-EFE968DD11F6}" type="datetimeFigureOut">
               <a:rPr lang="en-GB" smtClean="0"/>
               <a:pPr/>
-              <a:t>9/17/12</a:t>
+              <a:t>10/12/2016</a:t>
             </a:fld>
             <a:endParaRPr lang="en-GB"/>
           </a:p>
@@ -2842,23 +2842,23 @@
     </p:spTree>
     <p:extLst>
       <p:ext uri="{BB962C8B-B14F-4D97-AF65-F5344CB8AC3E}">
-        <p14:creationId xmlns="" xmlns:a="http://schemas.openxmlformats.org/drawingml/2006/main" xmlns:r="http://schemas.openxmlformats.org/officeDocument/2006/relationships" xmlns:p="http://schemas.openxmlformats.org/presentationml/2006/main" xmlns:p14="http://schemas.microsoft.com/office/powerpoint/2010/main" xmlns:mv="urn:schemas-microsoft-com:mac:vml" xmlns:mc="http://schemas.openxmlformats.org/markup-compatibility/2006" val="2824450409"/>
+        <p14:creationId xmlns:mc="http://schemas.openxmlformats.org/markup-compatibility/2006" xmlns:mv="urn:schemas-microsoft-com:mac:vml" xmlns:p14="http://schemas.microsoft.com/office/powerpoint/2010/main" xmlns="" val="2824450409"/>
       </p:ext>
     </p:extLst>
   </p:cSld>
   <p:clrMap bg1="lt1" tx1="dk1" bg2="lt2" tx2="dk2" accent1="accent1" accent2="accent2" accent3="accent3" accent4="accent4" accent5="accent5" accent6="accent6" hlink="hlink" folHlink="folHlink"/>
   <p:sldLayoutIdLst>
-    <p:sldLayoutId r:id="rId1"/>
-    <p:sldLayoutId r:id="rId2"/>
-    <p:sldLayoutId r:id="rId3"/>
-    <p:sldLayoutId r:id="rId4"/>
-    <p:sldLayoutId r:id="rId5"/>
-    <p:sldLayoutId r:id="rId6"/>
-    <p:sldLayoutId r:id="rId7"/>
-    <p:sldLayoutId r:id="rId8"/>
-    <p:sldLayoutId r:id="rId9"/>
-    <p:sldLayoutId r:id="rId10"/>
-    <p:sldLayoutId r:id="rId11"/>
+    <p:sldLayoutId id="2147483649" r:id="rId1"/>
+    <p:sldLayoutId id="2147483650" r:id="rId2"/>
+    <p:sldLayoutId id="2147483651" r:id="rId3"/>
+    <p:sldLayoutId id="2147483652" r:id="rId4"/>
+    <p:sldLayoutId id="2147483653" r:id="rId5"/>
+    <p:sldLayoutId id="2147483654" r:id="rId6"/>
+    <p:sldLayoutId id="2147483655" r:id="rId7"/>
+    <p:sldLayoutId id="2147483656" r:id="rId8"/>
+    <p:sldLayoutId id="2147483657" r:id="rId9"/>
+    <p:sldLayoutId id="2147483658" r:id="rId10"/>
+    <p:sldLayoutId id="2147483659" r:id="rId11"/>
   </p:sldLayoutIdLst>
   <p:txStyles>
     <p:titleStyle>
@@ -3114,7 +3114,7 @@
 </file>
 
 <file path=ppt/slides/slide1.xml><?xml version="1.0" encoding="utf-8"?>
-<p:sld xmlns:a="http://schemas.openxmlformats.org/drawingml/2006/main" xmlns:r="http://schemas.openxmlformats.org/officeDocument/2006/relationships" xmlns:mc="http://schemas.openxmlformats.org/markup-compatibility/2006" xmlns:mv="urn:schemas-microsoft-com:mac:vml" xmlns:p="http://schemas.openxmlformats.org/presentationml/2006/main" mc:Ignorable="mv" mc:PreserveAttributes="mv:*">
+<p:sld xmlns:a="http://schemas.openxmlformats.org/drawingml/2006/main" xmlns:r="http://schemas.openxmlformats.org/officeDocument/2006/relationships" xmlns:p="http://schemas.openxmlformats.org/presentationml/2006/main">
   <p:cSld>
     <p:spTree>
       <p:nvGrpSpPr>
@@ -3317,10 +3317,10 @@
           <p:nvPr/>
         </p:nvPicPr>
         <p:blipFill>
-          <a:blip r:embed="rId2">
+          <a:blip r:embed="rId2" cstate="email">
             <a:extLst>
               <a:ext uri="{28A0092B-C50C-407E-A947-70E740481C1C}">
-                <a14:useLocalDpi xmlns="" xmlns:a="http://schemas.openxmlformats.org/drawingml/2006/main" xmlns:r="http://schemas.openxmlformats.org/officeDocument/2006/relationships" xmlns:p="http://schemas.openxmlformats.org/presentationml/2006/main" xmlns:a14="http://schemas.microsoft.com/office/drawing/2010/main" xmlns:mv="urn:schemas-microsoft-com:mac:vml" xmlns:mc="http://schemas.openxmlformats.org/markup-compatibility/2006" val="0"/>
+                <a14:useLocalDpi xmlns:mc="http://schemas.openxmlformats.org/markup-compatibility/2006" xmlns:mv="urn:schemas-microsoft-com:mac:vml" xmlns:a14="http://schemas.microsoft.com/office/drawing/2010/main" xmlns="" val="0"/>
               </a:ext>
             </a:extLst>
           </a:blip>
@@ -3340,7 +3340,7 @@
           <a:noFill/>
           <a:extLst>
             <a:ext uri="{909E8E84-426E-40DD-AFC4-6F175D3DCCD1}">
-              <a14:hiddenFill xmlns="" xmlns:a="http://schemas.openxmlformats.org/drawingml/2006/main" xmlns:r="http://schemas.openxmlformats.org/officeDocument/2006/relationships" xmlns:p="http://schemas.openxmlformats.org/presentationml/2006/main" xmlns:a14="http://schemas.microsoft.com/office/drawing/2010/main" xmlns:mv="urn:schemas-microsoft-com:mac:vml" xmlns:mc="http://schemas.openxmlformats.org/markup-compatibility/2006">
+              <a14:hiddenFill xmlns:mc="http://schemas.openxmlformats.org/markup-compatibility/2006" xmlns:mv="urn:schemas-microsoft-com:mac:vml" xmlns:a14="http://schemas.microsoft.com/office/drawing/2010/main" xmlns="">
                 <a:solidFill>
                   <a:srgbClr val="FFFFFF"/>
                 </a:solidFill>
@@ -3358,10 +3358,10 @@
           <p:nvPr/>
         </p:nvPicPr>
         <p:blipFill>
-          <a:blip r:embed="rId2">
+          <a:blip r:embed="rId2" cstate="email">
             <a:extLst>
               <a:ext uri="{28A0092B-C50C-407E-A947-70E740481C1C}">
-                <a14:useLocalDpi xmlns="" xmlns:a="http://schemas.openxmlformats.org/drawingml/2006/main" xmlns:r="http://schemas.openxmlformats.org/officeDocument/2006/relationships" xmlns:p="http://schemas.openxmlformats.org/presentationml/2006/main" xmlns:a14="http://schemas.microsoft.com/office/drawing/2010/main" xmlns:mv="urn:schemas-microsoft-com:mac:vml" xmlns:mc="http://schemas.openxmlformats.org/markup-compatibility/2006" val="0"/>
+                <a14:useLocalDpi xmlns:mc="http://schemas.openxmlformats.org/markup-compatibility/2006" xmlns:mv="urn:schemas-microsoft-com:mac:vml" xmlns:a14="http://schemas.microsoft.com/office/drawing/2010/main" xmlns="" val="0"/>
               </a:ext>
             </a:extLst>
           </a:blip>
@@ -3381,7 +3381,7 @@
           <a:noFill/>
           <a:extLst>
             <a:ext uri="{909E8E84-426E-40DD-AFC4-6F175D3DCCD1}">
-              <a14:hiddenFill xmlns="" xmlns:a="http://schemas.openxmlformats.org/drawingml/2006/main" xmlns:r="http://schemas.openxmlformats.org/officeDocument/2006/relationships" xmlns:p="http://schemas.openxmlformats.org/presentationml/2006/main" xmlns:a14="http://schemas.microsoft.com/office/drawing/2010/main" xmlns:mv="urn:schemas-microsoft-com:mac:vml" xmlns:mc="http://schemas.openxmlformats.org/markup-compatibility/2006">
+              <a14:hiddenFill xmlns:mc="http://schemas.openxmlformats.org/markup-compatibility/2006" xmlns:mv="urn:schemas-microsoft-com:mac:vml" xmlns:a14="http://schemas.microsoft.com/office/drawing/2010/main" xmlns="">
                 <a:solidFill>
                   <a:srgbClr val="FFFFFF"/>
                 </a:solidFill>
@@ -3393,7 +3393,7 @@
     </p:spTree>
     <p:extLst>
       <p:ext uri="{BB962C8B-B14F-4D97-AF65-F5344CB8AC3E}">
-        <p14:creationId xmlns="" xmlns:a="http://schemas.openxmlformats.org/drawingml/2006/main" xmlns:r="http://schemas.openxmlformats.org/officeDocument/2006/relationships" xmlns:p="http://schemas.openxmlformats.org/presentationml/2006/main" xmlns:p14="http://schemas.microsoft.com/office/powerpoint/2010/main" xmlns:mv="urn:schemas-microsoft-com:mac:vml" xmlns:mc="http://schemas.openxmlformats.org/markup-compatibility/2006" val="1147047935"/>
+        <p14:creationId xmlns:mc="http://schemas.openxmlformats.org/markup-compatibility/2006" xmlns:mv="urn:schemas-microsoft-com:mac:vml" xmlns:p14="http://schemas.microsoft.com/office/powerpoint/2010/main" xmlns="" val="1147047935"/>
       </p:ext>
     </p:extLst>
   </p:cSld>
@@ -3404,7 +3404,7 @@
 </file>
 
 <file path=ppt/slides/slide10.xml><?xml version="1.0" encoding="utf-8"?>
-<p:sld xmlns:a="http://schemas.openxmlformats.org/drawingml/2006/main" xmlns:r="http://schemas.openxmlformats.org/officeDocument/2006/relationships" xmlns:mc="http://schemas.openxmlformats.org/markup-compatibility/2006" xmlns:mv="urn:schemas-microsoft-com:mac:vml" xmlns:p="http://schemas.openxmlformats.org/presentationml/2006/main" mc:Ignorable="mv" mc:PreserveAttributes="mv:*">
+<p:sld xmlns:a="http://schemas.openxmlformats.org/drawingml/2006/main" xmlns:r="http://schemas.openxmlformats.org/officeDocument/2006/relationships" xmlns:p="http://schemas.openxmlformats.org/presentationml/2006/main">
   <p:cSld>
     <p:spTree>
       <p:nvGrpSpPr>
@@ -3443,14 +3443,14 @@
           <a:effectLst/>
           <a:extLst>
             <a:ext uri="{909E8E84-426E-40DD-AFC4-6F175D3DCCD1}">
-              <a14:hiddenFill xmlns="" xmlns:a="http://schemas.openxmlformats.org/drawingml/2006/main" xmlns:r="http://schemas.openxmlformats.org/officeDocument/2006/relationships" xmlns:p="http://schemas.openxmlformats.org/presentationml/2006/main" xmlns:a14="http://schemas.microsoft.com/office/drawing/2010/main" xmlns:mv="urn:schemas-microsoft-com:mac:vml" xmlns:mc="http://schemas.openxmlformats.org/markup-compatibility/2006">
+              <a14:hiddenFill xmlns:mc="http://schemas.openxmlformats.org/markup-compatibility/2006" xmlns:mv="urn:schemas-microsoft-com:mac:vml" xmlns:a14="http://schemas.microsoft.com/office/drawing/2010/main" xmlns="">
                 <a:solidFill>
                   <a:schemeClr val="accent1"/>
                 </a:solidFill>
               </a14:hiddenFill>
             </a:ext>
             <a:ext uri="{91240B29-F687-4F45-9708-019B960494DF}">
-              <a14:hiddenLine xmlns="" xmlns:a="http://schemas.openxmlformats.org/drawingml/2006/main" xmlns:r="http://schemas.openxmlformats.org/officeDocument/2006/relationships" xmlns:p="http://schemas.openxmlformats.org/presentationml/2006/main" xmlns:a14="http://schemas.microsoft.com/office/drawing/2010/main" xmlns:mv="urn:schemas-microsoft-com:mac:vml" xmlns:mc="http://schemas.openxmlformats.org/markup-compatibility/2006" w="9525">
+              <a14:hiddenLine xmlns:mc="http://schemas.openxmlformats.org/markup-compatibility/2006" xmlns:mv="urn:schemas-microsoft-com:mac:vml" xmlns:a14="http://schemas.microsoft.com/office/drawing/2010/main" xmlns="" w="9525">
                 <a:solidFill>
                   <a:schemeClr val="tx1"/>
                 </a:solidFill>
@@ -3460,7 +3460,7 @@
               </a14:hiddenLine>
             </a:ext>
             <a:ext uri="{AF507438-7753-43E0-B8FC-AC1667EBCBE1}">
-              <a14:hiddenEffects xmlns="" xmlns:a="http://schemas.openxmlformats.org/drawingml/2006/main" xmlns:r="http://schemas.openxmlformats.org/officeDocument/2006/relationships" xmlns:p="http://schemas.openxmlformats.org/presentationml/2006/main" xmlns:a14="http://schemas.microsoft.com/office/drawing/2010/main" xmlns:mv="urn:schemas-microsoft-com:mac:vml" xmlns:mc="http://schemas.openxmlformats.org/markup-compatibility/2006">
+              <a14:hiddenEffects xmlns:mc="http://schemas.openxmlformats.org/markup-compatibility/2006" xmlns:mv="urn:schemas-microsoft-com:mac:vml" xmlns:a14="http://schemas.microsoft.com/office/drawing/2010/main" xmlns="">
                 <a:effectLst>
                   <a:outerShdw dist="35921" dir="2700000" algn="ctr" rotWithShape="0">
                     <a:schemeClr val="bg2"/>
@@ -3847,7 +3847,7 @@
           <p:nvPr/>
         </p:nvPicPr>
         <p:blipFill>
-          <a:blip r:embed="rId2"/>
+          <a:blip r:embed="rId2" cstate="email"/>
           <a:stretch>
             <a:fillRect/>
           </a:stretch>
@@ -3980,7 +3980,7 @@
     </p:spTree>
     <p:extLst>
       <p:ext uri="{BB962C8B-B14F-4D97-AF65-F5344CB8AC3E}">
-        <p14:creationId xmlns="" xmlns:a="http://schemas.openxmlformats.org/drawingml/2006/main" xmlns:r="http://schemas.openxmlformats.org/officeDocument/2006/relationships" xmlns:p="http://schemas.openxmlformats.org/presentationml/2006/main" xmlns:p14="http://schemas.microsoft.com/office/powerpoint/2010/main" xmlns:mv="urn:schemas-microsoft-com:mac:vml" xmlns:mc="http://schemas.openxmlformats.org/markup-compatibility/2006" val="56597382"/>
+        <p14:creationId xmlns:mc="http://schemas.openxmlformats.org/markup-compatibility/2006" xmlns:mv="urn:schemas-microsoft-com:mac:vml" xmlns:p14="http://schemas.microsoft.com/office/powerpoint/2010/main" xmlns="" val="56597382"/>
       </p:ext>
     </p:extLst>
   </p:cSld>
@@ -3991,7 +3991,7 @@
 </file>
 
 <file path=ppt/slides/slide11.xml><?xml version="1.0" encoding="utf-8"?>
-<p:sld xmlns:a="http://schemas.openxmlformats.org/drawingml/2006/main" xmlns:r="http://schemas.openxmlformats.org/officeDocument/2006/relationships" xmlns:mc="http://schemas.openxmlformats.org/markup-compatibility/2006" xmlns:mv="urn:schemas-microsoft-com:mac:vml" xmlns:p="http://schemas.openxmlformats.org/presentationml/2006/main" mc:Ignorable="mv" mc:PreserveAttributes="mv:*">
+<p:sld xmlns:a="http://schemas.openxmlformats.org/drawingml/2006/main" xmlns:r="http://schemas.openxmlformats.org/officeDocument/2006/relationships" xmlns:p="http://schemas.openxmlformats.org/presentationml/2006/main">
   <p:cSld>
     <p:spTree>
       <p:nvGrpSpPr>
@@ -4030,14 +4030,14 @@
           <a:effectLst/>
           <a:extLst>
             <a:ext uri="{909E8E84-426E-40DD-AFC4-6F175D3DCCD1}">
-              <a14:hiddenFill xmlns="" xmlns:a="http://schemas.openxmlformats.org/drawingml/2006/main" xmlns:r="http://schemas.openxmlformats.org/officeDocument/2006/relationships" xmlns:p="http://schemas.openxmlformats.org/presentationml/2006/main" xmlns:a14="http://schemas.microsoft.com/office/drawing/2010/main" xmlns:mv="urn:schemas-microsoft-com:mac:vml" xmlns:mc="http://schemas.openxmlformats.org/markup-compatibility/2006">
+              <a14:hiddenFill xmlns:mc="http://schemas.openxmlformats.org/markup-compatibility/2006" xmlns:mv="urn:schemas-microsoft-com:mac:vml" xmlns:a14="http://schemas.microsoft.com/office/drawing/2010/main" xmlns="">
                 <a:solidFill>
                   <a:schemeClr val="accent1"/>
                 </a:solidFill>
               </a14:hiddenFill>
             </a:ext>
             <a:ext uri="{91240B29-F687-4F45-9708-019B960494DF}">
-              <a14:hiddenLine xmlns="" xmlns:a="http://schemas.openxmlformats.org/drawingml/2006/main" xmlns:r="http://schemas.openxmlformats.org/officeDocument/2006/relationships" xmlns:p="http://schemas.openxmlformats.org/presentationml/2006/main" xmlns:a14="http://schemas.microsoft.com/office/drawing/2010/main" xmlns:mv="urn:schemas-microsoft-com:mac:vml" xmlns:mc="http://schemas.openxmlformats.org/markup-compatibility/2006" w="9525">
+              <a14:hiddenLine xmlns:mc="http://schemas.openxmlformats.org/markup-compatibility/2006" xmlns:mv="urn:schemas-microsoft-com:mac:vml" xmlns:a14="http://schemas.microsoft.com/office/drawing/2010/main" xmlns="" w="9525">
                 <a:solidFill>
                   <a:schemeClr val="tx1"/>
                 </a:solidFill>
@@ -4047,7 +4047,7 @@
               </a14:hiddenLine>
             </a:ext>
             <a:ext uri="{AF507438-7753-43E0-B8FC-AC1667EBCBE1}">
-              <a14:hiddenEffects xmlns="" xmlns:a="http://schemas.openxmlformats.org/drawingml/2006/main" xmlns:r="http://schemas.openxmlformats.org/officeDocument/2006/relationships" xmlns:p="http://schemas.openxmlformats.org/presentationml/2006/main" xmlns:a14="http://schemas.microsoft.com/office/drawing/2010/main" xmlns:mv="urn:schemas-microsoft-com:mac:vml" xmlns:mc="http://schemas.openxmlformats.org/markup-compatibility/2006">
+              <a14:hiddenEffects xmlns:mc="http://schemas.openxmlformats.org/markup-compatibility/2006" xmlns:mv="urn:schemas-microsoft-com:mac:vml" xmlns:a14="http://schemas.microsoft.com/office/drawing/2010/main" xmlns="">
                 <a:effectLst>
                   <a:outerShdw dist="35921" dir="2700000" algn="ctr" rotWithShape="0">
                     <a:schemeClr val="bg2"/>
@@ -4294,7 +4294,7 @@
           <p:nvPr/>
         </p:nvPicPr>
         <p:blipFill>
-          <a:blip r:embed="rId2"/>
+          <a:blip r:embed="rId2" cstate="email"/>
           <a:srcRect/>
           <a:stretch>
             <a:fillRect/>
@@ -4327,7 +4327,7 @@
           <p:nvPr/>
         </p:nvPicPr>
         <p:blipFill>
-          <a:blip r:embed="rId3"/>
+          <a:blip r:embed="rId3" cstate="email"/>
           <a:srcRect/>
           <a:stretch>
             <a:fillRect/>
@@ -4354,7 +4354,7 @@
     </p:spTree>
     <p:extLst>
       <p:ext uri="{BB962C8B-B14F-4D97-AF65-F5344CB8AC3E}">
-        <p14:creationId xmlns="" xmlns:a="http://schemas.openxmlformats.org/drawingml/2006/main" xmlns:r="http://schemas.openxmlformats.org/officeDocument/2006/relationships" xmlns:p="http://schemas.openxmlformats.org/presentationml/2006/main" xmlns:p14="http://schemas.microsoft.com/office/powerpoint/2010/main" xmlns:mv="urn:schemas-microsoft-com:mac:vml" xmlns:mc="http://schemas.openxmlformats.org/markup-compatibility/2006" val="56597382"/>
+        <p14:creationId xmlns:mc="http://schemas.openxmlformats.org/markup-compatibility/2006" xmlns:mv="urn:schemas-microsoft-com:mac:vml" xmlns:p14="http://schemas.microsoft.com/office/powerpoint/2010/main" xmlns="" val="56597382"/>
       </p:ext>
     </p:extLst>
   </p:cSld>
@@ -4365,7 +4365,7 @@
 </file>
 
 <file path=ppt/slides/slide12.xml><?xml version="1.0" encoding="utf-8"?>
-<p:sld xmlns:a="http://schemas.openxmlformats.org/drawingml/2006/main" xmlns:r="http://schemas.openxmlformats.org/officeDocument/2006/relationships" xmlns:mc="http://schemas.openxmlformats.org/markup-compatibility/2006" xmlns:mv="urn:schemas-microsoft-com:mac:vml" xmlns:p="http://schemas.openxmlformats.org/presentationml/2006/main" mc:Ignorable="mv" mc:PreserveAttributes="mv:*">
+<p:sld xmlns:a="http://schemas.openxmlformats.org/drawingml/2006/main" xmlns:r="http://schemas.openxmlformats.org/officeDocument/2006/relationships" xmlns:p="http://schemas.openxmlformats.org/presentationml/2006/main">
   <p:cSld>
     <p:spTree>
       <p:nvGrpSpPr>
@@ -4404,14 +4404,14 @@
           <a:effectLst/>
           <a:extLst>
             <a:ext uri="{909E8E84-426E-40DD-AFC4-6F175D3DCCD1}">
-              <a14:hiddenFill xmlns="" xmlns:a="http://schemas.openxmlformats.org/drawingml/2006/main" xmlns:r="http://schemas.openxmlformats.org/officeDocument/2006/relationships" xmlns:p="http://schemas.openxmlformats.org/presentationml/2006/main" xmlns:a14="http://schemas.microsoft.com/office/drawing/2010/main" xmlns:mv="urn:schemas-microsoft-com:mac:vml" xmlns:mc="http://schemas.openxmlformats.org/markup-compatibility/2006">
+              <a14:hiddenFill xmlns:mc="http://schemas.openxmlformats.org/markup-compatibility/2006" xmlns:mv="urn:schemas-microsoft-com:mac:vml" xmlns:a14="http://schemas.microsoft.com/office/drawing/2010/main" xmlns="">
                 <a:solidFill>
                   <a:schemeClr val="accent1"/>
                 </a:solidFill>
               </a14:hiddenFill>
             </a:ext>
             <a:ext uri="{91240B29-F687-4F45-9708-019B960494DF}">
-              <a14:hiddenLine xmlns="" xmlns:a="http://schemas.openxmlformats.org/drawingml/2006/main" xmlns:r="http://schemas.openxmlformats.org/officeDocument/2006/relationships" xmlns:p="http://schemas.openxmlformats.org/presentationml/2006/main" xmlns:a14="http://schemas.microsoft.com/office/drawing/2010/main" xmlns:mv="urn:schemas-microsoft-com:mac:vml" xmlns:mc="http://schemas.openxmlformats.org/markup-compatibility/2006" w="9525">
+              <a14:hiddenLine xmlns:mc="http://schemas.openxmlformats.org/markup-compatibility/2006" xmlns:mv="urn:schemas-microsoft-com:mac:vml" xmlns:a14="http://schemas.microsoft.com/office/drawing/2010/main" xmlns="" w="9525">
                 <a:solidFill>
                   <a:schemeClr val="tx1"/>
                 </a:solidFill>
@@ -4421,7 +4421,7 @@
               </a14:hiddenLine>
             </a:ext>
             <a:ext uri="{AF507438-7753-43E0-B8FC-AC1667EBCBE1}">
-              <a14:hiddenEffects xmlns="" xmlns:a="http://schemas.openxmlformats.org/drawingml/2006/main" xmlns:r="http://schemas.openxmlformats.org/officeDocument/2006/relationships" xmlns:p="http://schemas.openxmlformats.org/presentationml/2006/main" xmlns:a14="http://schemas.microsoft.com/office/drawing/2010/main" xmlns:mv="urn:schemas-microsoft-com:mac:vml" xmlns:mc="http://schemas.openxmlformats.org/markup-compatibility/2006">
+              <a14:hiddenEffects xmlns:mc="http://schemas.openxmlformats.org/markup-compatibility/2006" xmlns:mv="urn:schemas-microsoft-com:mac:vml" xmlns:a14="http://schemas.microsoft.com/office/drawing/2010/main" xmlns="">
                 <a:effectLst>
                   <a:outerShdw dist="35921" dir="2700000" algn="ctr" rotWithShape="0">
                     <a:schemeClr val="bg2"/>
@@ -4811,7 +4811,7 @@
           <p:nvPr/>
         </p:nvPicPr>
         <p:blipFill>
-          <a:blip r:embed="rId2"/>
+          <a:blip r:embed="rId2" cstate="email"/>
           <a:srcRect/>
           <a:stretch>
             <a:fillRect/>
@@ -4844,7 +4844,7 @@
           <p:nvPr/>
         </p:nvPicPr>
         <p:blipFill>
-          <a:blip r:embed="rId3"/>
+          <a:blip r:embed="rId3" cstate="email"/>
           <a:srcRect/>
           <a:stretch>
             <a:fillRect/>
@@ -4871,7 +4871,7 @@
     </p:spTree>
     <p:extLst>
       <p:ext uri="{BB962C8B-B14F-4D97-AF65-F5344CB8AC3E}">
-        <p14:creationId xmlns="" xmlns:a="http://schemas.openxmlformats.org/drawingml/2006/main" xmlns:r="http://schemas.openxmlformats.org/officeDocument/2006/relationships" xmlns:p="http://schemas.openxmlformats.org/presentationml/2006/main" xmlns:p14="http://schemas.microsoft.com/office/powerpoint/2010/main" xmlns:mv="urn:schemas-microsoft-com:mac:vml" xmlns:mc="http://schemas.openxmlformats.org/markup-compatibility/2006" val="56597382"/>
+        <p14:creationId xmlns:mc="http://schemas.openxmlformats.org/markup-compatibility/2006" xmlns:mv="urn:schemas-microsoft-com:mac:vml" xmlns:p14="http://schemas.microsoft.com/office/powerpoint/2010/main" xmlns="" val="56597382"/>
       </p:ext>
     </p:extLst>
   </p:cSld>
@@ -4882,7 +4882,7 @@
 </file>
 
 <file path=ppt/slides/slide2.xml><?xml version="1.0" encoding="utf-8"?>
-<p:sld xmlns:a="http://schemas.openxmlformats.org/drawingml/2006/main" xmlns:r="http://schemas.openxmlformats.org/officeDocument/2006/relationships" xmlns:mc="http://schemas.openxmlformats.org/markup-compatibility/2006" xmlns:mv="urn:schemas-microsoft-com:mac:vml" xmlns:p="http://schemas.openxmlformats.org/presentationml/2006/main" mc:Ignorable="mv" mc:PreserveAttributes="mv:*">
+<p:sld xmlns:a="http://schemas.openxmlformats.org/drawingml/2006/main" xmlns:r="http://schemas.openxmlformats.org/officeDocument/2006/relationships" xmlns:p="http://schemas.openxmlformats.org/presentationml/2006/main">
   <p:cSld>
     <p:spTree>
       <p:nvGrpSpPr>
@@ -5128,10 +5128,10 @@
           <p:nvPr/>
         </p:nvPicPr>
         <p:blipFill>
-          <a:blip r:embed="rId2">
+          <a:blip r:embed="rId2" cstate="email">
             <a:extLst>
               <a:ext uri="{28A0092B-C50C-407E-A947-70E740481C1C}">
-                <a14:useLocalDpi xmlns="" xmlns:a="http://schemas.openxmlformats.org/drawingml/2006/main" xmlns:r="http://schemas.openxmlformats.org/officeDocument/2006/relationships" xmlns:p="http://schemas.openxmlformats.org/presentationml/2006/main" xmlns:a14="http://schemas.microsoft.com/office/drawing/2010/main" xmlns:mv="urn:schemas-microsoft-com:mac:vml" xmlns:mc="http://schemas.openxmlformats.org/markup-compatibility/2006" val="0"/>
+                <a14:useLocalDpi xmlns:mc="http://schemas.openxmlformats.org/markup-compatibility/2006" xmlns:mv="urn:schemas-microsoft-com:mac:vml" xmlns:a14="http://schemas.microsoft.com/office/drawing/2010/main" xmlns="" val="0"/>
               </a:ext>
             </a:extLst>
           </a:blip>
@@ -5151,7 +5151,7 @@
           <a:noFill/>
           <a:extLst>
             <a:ext uri="{909E8E84-426E-40DD-AFC4-6F175D3DCCD1}">
-              <a14:hiddenFill xmlns="" xmlns:a="http://schemas.openxmlformats.org/drawingml/2006/main" xmlns:r="http://schemas.openxmlformats.org/officeDocument/2006/relationships" xmlns:p="http://schemas.openxmlformats.org/presentationml/2006/main" xmlns:a14="http://schemas.microsoft.com/office/drawing/2010/main" xmlns:mv="urn:schemas-microsoft-com:mac:vml" xmlns:mc="http://schemas.openxmlformats.org/markup-compatibility/2006">
+              <a14:hiddenFill xmlns:mc="http://schemas.openxmlformats.org/markup-compatibility/2006" xmlns:mv="urn:schemas-microsoft-com:mac:vml" xmlns:a14="http://schemas.microsoft.com/office/drawing/2010/main" xmlns="">
                 <a:solidFill>
                   <a:srgbClr val="FFFFFF"/>
                 </a:solidFill>
@@ -5169,10 +5169,10 @@
           <p:nvPr/>
         </p:nvPicPr>
         <p:blipFill>
-          <a:blip r:embed="rId2">
+          <a:blip r:embed="rId2" cstate="email">
             <a:extLst>
               <a:ext uri="{28A0092B-C50C-407E-A947-70E740481C1C}">
-                <a14:useLocalDpi xmlns="" xmlns:a="http://schemas.openxmlformats.org/drawingml/2006/main" xmlns:r="http://schemas.openxmlformats.org/officeDocument/2006/relationships" xmlns:p="http://schemas.openxmlformats.org/presentationml/2006/main" xmlns:a14="http://schemas.microsoft.com/office/drawing/2010/main" xmlns:mv="urn:schemas-microsoft-com:mac:vml" xmlns:mc="http://schemas.openxmlformats.org/markup-compatibility/2006" val="0"/>
+                <a14:useLocalDpi xmlns:mc="http://schemas.openxmlformats.org/markup-compatibility/2006" xmlns:mv="urn:schemas-microsoft-com:mac:vml" xmlns:a14="http://schemas.microsoft.com/office/drawing/2010/main" xmlns="" val="0"/>
               </a:ext>
             </a:extLst>
           </a:blip>
@@ -5192,7 +5192,7 @@
           <a:noFill/>
           <a:extLst>
             <a:ext uri="{909E8E84-426E-40DD-AFC4-6F175D3DCCD1}">
-              <a14:hiddenFill xmlns="" xmlns:a="http://schemas.openxmlformats.org/drawingml/2006/main" xmlns:r="http://schemas.openxmlformats.org/officeDocument/2006/relationships" xmlns:p="http://schemas.openxmlformats.org/presentationml/2006/main" xmlns:a14="http://schemas.microsoft.com/office/drawing/2010/main" xmlns:mv="urn:schemas-microsoft-com:mac:vml" xmlns:mc="http://schemas.openxmlformats.org/markup-compatibility/2006">
+              <a14:hiddenFill xmlns:mc="http://schemas.openxmlformats.org/markup-compatibility/2006" xmlns:mv="urn:schemas-microsoft-com:mac:vml" xmlns:a14="http://schemas.microsoft.com/office/drawing/2010/main" xmlns="">
                 <a:solidFill>
                   <a:srgbClr val="FFFFFF"/>
                 </a:solidFill>
@@ -5204,7 +5204,7 @@
     </p:spTree>
     <p:extLst>
       <p:ext uri="{BB962C8B-B14F-4D97-AF65-F5344CB8AC3E}">
-        <p14:creationId xmlns="" xmlns:a="http://schemas.openxmlformats.org/drawingml/2006/main" xmlns:r="http://schemas.openxmlformats.org/officeDocument/2006/relationships" xmlns:p="http://schemas.openxmlformats.org/presentationml/2006/main" xmlns:p14="http://schemas.microsoft.com/office/powerpoint/2010/main" xmlns:mv="urn:schemas-microsoft-com:mac:vml" xmlns:mc="http://schemas.openxmlformats.org/markup-compatibility/2006" val="1912608297"/>
+        <p14:creationId xmlns:mc="http://schemas.openxmlformats.org/markup-compatibility/2006" xmlns:mv="urn:schemas-microsoft-com:mac:vml" xmlns:p14="http://schemas.microsoft.com/office/powerpoint/2010/main" xmlns="" val="1912608297"/>
       </p:ext>
     </p:extLst>
   </p:cSld>
@@ -5215,7 +5215,7 @@
 </file>
 
 <file path=ppt/slides/slide3.xml><?xml version="1.0" encoding="utf-8"?>
-<p:sld xmlns:a="http://schemas.openxmlformats.org/drawingml/2006/main" xmlns:r="http://schemas.openxmlformats.org/officeDocument/2006/relationships" xmlns:mc="http://schemas.openxmlformats.org/markup-compatibility/2006" xmlns:mv="urn:schemas-microsoft-com:mac:vml" xmlns:p="http://schemas.openxmlformats.org/presentationml/2006/main" mc:Ignorable="mv" mc:PreserveAttributes="mv:*">
+<p:sld xmlns:a="http://schemas.openxmlformats.org/drawingml/2006/main" xmlns:r="http://schemas.openxmlformats.org/officeDocument/2006/relationships" xmlns:p="http://schemas.openxmlformats.org/presentationml/2006/main">
   <p:cSld>
     <p:spTree>
       <p:nvGrpSpPr>
@@ -5254,14 +5254,14 @@
           <a:effectLst/>
           <a:extLst>
             <a:ext uri="{909E8E84-426E-40DD-AFC4-6F175D3DCCD1}">
-              <a14:hiddenFill xmlns="" xmlns:a="http://schemas.openxmlformats.org/drawingml/2006/main" xmlns:r="http://schemas.openxmlformats.org/officeDocument/2006/relationships" xmlns:p="http://schemas.openxmlformats.org/presentationml/2006/main" xmlns:a14="http://schemas.microsoft.com/office/drawing/2010/main" xmlns:mv="urn:schemas-microsoft-com:mac:vml" xmlns:mc="http://schemas.openxmlformats.org/markup-compatibility/2006">
+              <a14:hiddenFill xmlns:mc="http://schemas.openxmlformats.org/markup-compatibility/2006" xmlns:mv="urn:schemas-microsoft-com:mac:vml" xmlns:a14="http://schemas.microsoft.com/office/drawing/2010/main" xmlns="">
                 <a:solidFill>
                   <a:schemeClr val="accent1"/>
                 </a:solidFill>
               </a14:hiddenFill>
             </a:ext>
             <a:ext uri="{91240B29-F687-4F45-9708-019B960494DF}">
-              <a14:hiddenLine xmlns="" xmlns:a="http://schemas.openxmlformats.org/drawingml/2006/main" xmlns:r="http://schemas.openxmlformats.org/officeDocument/2006/relationships" xmlns:p="http://schemas.openxmlformats.org/presentationml/2006/main" xmlns:a14="http://schemas.microsoft.com/office/drawing/2010/main" xmlns:mv="urn:schemas-microsoft-com:mac:vml" xmlns:mc="http://schemas.openxmlformats.org/markup-compatibility/2006" w="9525">
+              <a14:hiddenLine xmlns:mc="http://schemas.openxmlformats.org/markup-compatibility/2006" xmlns:mv="urn:schemas-microsoft-com:mac:vml" xmlns:a14="http://schemas.microsoft.com/office/drawing/2010/main" xmlns="" w="9525">
                 <a:solidFill>
                   <a:schemeClr val="tx1"/>
                 </a:solidFill>
@@ -5271,7 +5271,7 @@
               </a14:hiddenLine>
             </a:ext>
             <a:ext uri="{AF507438-7753-43E0-B8FC-AC1667EBCBE1}">
-              <a14:hiddenEffects xmlns="" xmlns:a="http://schemas.openxmlformats.org/drawingml/2006/main" xmlns:r="http://schemas.openxmlformats.org/officeDocument/2006/relationships" xmlns:p="http://schemas.openxmlformats.org/presentationml/2006/main" xmlns:a14="http://schemas.microsoft.com/office/drawing/2010/main" xmlns:mv="urn:schemas-microsoft-com:mac:vml" xmlns:mc="http://schemas.openxmlformats.org/markup-compatibility/2006">
+              <a14:hiddenEffects xmlns:mc="http://schemas.openxmlformats.org/markup-compatibility/2006" xmlns:mv="urn:schemas-microsoft-com:mac:vml" xmlns:a14="http://schemas.microsoft.com/office/drawing/2010/main" xmlns="">
                 <a:effectLst>
                   <a:outerShdw dist="35921" dir="2700000" algn="ctr" rotWithShape="0">
                     <a:schemeClr val="bg2"/>
@@ -5635,10 +5635,10 @@
           <p:nvPr/>
         </p:nvPicPr>
         <p:blipFill>
-          <a:blip r:embed="rId2">
+          <a:blip r:embed="rId2" cstate="email">
             <a:extLst>
               <a:ext uri="{28A0092B-C50C-407E-A947-70E740481C1C}">
-                <a14:useLocalDpi xmlns="" xmlns:a="http://schemas.openxmlformats.org/drawingml/2006/main" xmlns:r="http://schemas.openxmlformats.org/officeDocument/2006/relationships" xmlns:p="http://schemas.openxmlformats.org/presentationml/2006/main" xmlns:a14="http://schemas.microsoft.com/office/drawing/2010/main" xmlns:mv="urn:schemas-microsoft-com:mac:vml" xmlns:mc="http://schemas.openxmlformats.org/markup-compatibility/2006" val="0"/>
+                <a14:useLocalDpi xmlns:mc="http://schemas.openxmlformats.org/markup-compatibility/2006" xmlns:mv="urn:schemas-microsoft-com:mac:vml" xmlns:a14="http://schemas.microsoft.com/office/drawing/2010/main" xmlns="" val="0"/>
               </a:ext>
             </a:extLst>
           </a:blip>
@@ -5658,7 +5658,7 @@
           <a:noFill/>
           <a:extLst>
             <a:ext uri="{909E8E84-426E-40DD-AFC4-6F175D3DCCD1}">
-              <a14:hiddenFill xmlns="" xmlns:a="http://schemas.openxmlformats.org/drawingml/2006/main" xmlns:r="http://schemas.openxmlformats.org/officeDocument/2006/relationships" xmlns:p="http://schemas.openxmlformats.org/presentationml/2006/main" xmlns:a14="http://schemas.microsoft.com/office/drawing/2010/main" xmlns:mv="urn:schemas-microsoft-com:mac:vml" xmlns:mc="http://schemas.openxmlformats.org/markup-compatibility/2006">
+              <a14:hiddenFill xmlns:mc="http://schemas.openxmlformats.org/markup-compatibility/2006" xmlns:mv="urn:schemas-microsoft-com:mac:vml" xmlns:a14="http://schemas.microsoft.com/office/drawing/2010/main" xmlns="">
                 <a:solidFill>
                   <a:srgbClr val="FFFFFF"/>
                 </a:solidFill>
@@ -5676,10 +5676,10 @@
           <p:nvPr/>
         </p:nvPicPr>
         <p:blipFill>
-          <a:blip r:embed="rId2">
+          <a:blip r:embed="rId2" cstate="email">
             <a:extLst>
               <a:ext uri="{28A0092B-C50C-407E-A947-70E740481C1C}">
-                <a14:useLocalDpi xmlns="" xmlns:a="http://schemas.openxmlformats.org/drawingml/2006/main" xmlns:r="http://schemas.openxmlformats.org/officeDocument/2006/relationships" xmlns:p="http://schemas.openxmlformats.org/presentationml/2006/main" xmlns:a14="http://schemas.microsoft.com/office/drawing/2010/main" xmlns:mv="urn:schemas-microsoft-com:mac:vml" xmlns:mc="http://schemas.openxmlformats.org/markup-compatibility/2006" val="0"/>
+                <a14:useLocalDpi xmlns:mc="http://schemas.openxmlformats.org/markup-compatibility/2006" xmlns:mv="urn:schemas-microsoft-com:mac:vml" xmlns:a14="http://schemas.microsoft.com/office/drawing/2010/main" xmlns="" val="0"/>
               </a:ext>
             </a:extLst>
           </a:blip>
@@ -5699,7 +5699,7 @@
           <a:noFill/>
           <a:extLst>
             <a:ext uri="{909E8E84-426E-40DD-AFC4-6F175D3DCCD1}">
-              <a14:hiddenFill xmlns="" xmlns:a="http://schemas.openxmlformats.org/drawingml/2006/main" xmlns:r="http://schemas.openxmlformats.org/officeDocument/2006/relationships" xmlns:p="http://schemas.openxmlformats.org/presentationml/2006/main" xmlns:a14="http://schemas.microsoft.com/office/drawing/2010/main" xmlns:mv="urn:schemas-microsoft-com:mac:vml" xmlns:mc="http://schemas.openxmlformats.org/markup-compatibility/2006">
+              <a14:hiddenFill xmlns:mc="http://schemas.openxmlformats.org/markup-compatibility/2006" xmlns:mv="urn:schemas-microsoft-com:mac:vml" xmlns:a14="http://schemas.microsoft.com/office/drawing/2010/main" xmlns="">
                 <a:solidFill>
                   <a:srgbClr val="FFFFFF"/>
                 </a:solidFill>
@@ -5717,10 +5717,10 @@
           <p:nvPr/>
         </p:nvPicPr>
         <p:blipFill>
-          <a:blip r:embed="rId2">
+          <a:blip r:embed="rId2" cstate="email">
             <a:extLst>
               <a:ext uri="{28A0092B-C50C-407E-A947-70E740481C1C}">
-                <a14:useLocalDpi xmlns="" xmlns:a="http://schemas.openxmlformats.org/drawingml/2006/main" xmlns:r="http://schemas.openxmlformats.org/officeDocument/2006/relationships" xmlns:p="http://schemas.openxmlformats.org/presentationml/2006/main" xmlns:a14="http://schemas.microsoft.com/office/drawing/2010/main" xmlns:mv="urn:schemas-microsoft-com:mac:vml" xmlns:mc="http://schemas.openxmlformats.org/markup-compatibility/2006" val="0"/>
+                <a14:useLocalDpi xmlns:mc="http://schemas.openxmlformats.org/markup-compatibility/2006" xmlns:mv="urn:schemas-microsoft-com:mac:vml" xmlns:a14="http://schemas.microsoft.com/office/drawing/2010/main" xmlns="" val="0"/>
               </a:ext>
             </a:extLst>
           </a:blip>
@@ -5740,7 +5740,7 @@
           <a:noFill/>
           <a:extLst>
             <a:ext uri="{909E8E84-426E-40DD-AFC4-6F175D3DCCD1}">
-              <a14:hiddenFill xmlns="" xmlns:a="http://schemas.openxmlformats.org/drawingml/2006/main" xmlns:r="http://schemas.openxmlformats.org/officeDocument/2006/relationships" xmlns:p="http://schemas.openxmlformats.org/presentationml/2006/main" xmlns:a14="http://schemas.microsoft.com/office/drawing/2010/main" xmlns:mv="urn:schemas-microsoft-com:mac:vml" xmlns:mc="http://schemas.openxmlformats.org/markup-compatibility/2006">
+              <a14:hiddenFill xmlns:mc="http://schemas.openxmlformats.org/markup-compatibility/2006" xmlns:mv="urn:schemas-microsoft-com:mac:vml" xmlns:a14="http://schemas.microsoft.com/office/drawing/2010/main" xmlns="">
                 <a:solidFill>
                   <a:srgbClr val="FFFFFF"/>
                 </a:solidFill>
@@ -5758,10 +5758,10 @@
           <p:nvPr/>
         </p:nvPicPr>
         <p:blipFill>
-          <a:blip r:embed="rId3">
+          <a:blip r:embed="rId3" cstate="email">
             <a:extLst>
               <a:ext uri="{28A0092B-C50C-407E-A947-70E740481C1C}">
-                <a14:useLocalDpi xmlns="" xmlns:a="http://schemas.openxmlformats.org/drawingml/2006/main" xmlns:r="http://schemas.openxmlformats.org/officeDocument/2006/relationships" xmlns:p="http://schemas.openxmlformats.org/presentationml/2006/main" xmlns:a14="http://schemas.microsoft.com/office/drawing/2010/main" xmlns:mv="urn:schemas-microsoft-com:mac:vml" xmlns:mc="http://schemas.openxmlformats.org/markup-compatibility/2006" val="0"/>
+                <a14:useLocalDpi xmlns:mc="http://schemas.openxmlformats.org/markup-compatibility/2006" xmlns:mv="urn:schemas-microsoft-com:mac:vml" xmlns:a14="http://schemas.microsoft.com/office/drawing/2010/main" xmlns="" val="0"/>
               </a:ext>
             </a:extLst>
           </a:blip>
@@ -5781,7 +5781,7 @@
           <a:noFill/>
           <a:extLst>
             <a:ext uri="{909E8E84-426E-40DD-AFC4-6F175D3DCCD1}">
-              <a14:hiddenFill xmlns="" xmlns:a="http://schemas.openxmlformats.org/drawingml/2006/main" xmlns:r="http://schemas.openxmlformats.org/officeDocument/2006/relationships" xmlns:p="http://schemas.openxmlformats.org/presentationml/2006/main" xmlns:a14="http://schemas.microsoft.com/office/drawing/2010/main" xmlns:mv="urn:schemas-microsoft-com:mac:vml" xmlns:mc="http://schemas.openxmlformats.org/markup-compatibility/2006">
+              <a14:hiddenFill xmlns:mc="http://schemas.openxmlformats.org/markup-compatibility/2006" xmlns:mv="urn:schemas-microsoft-com:mac:vml" xmlns:a14="http://schemas.microsoft.com/office/drawing/2010/main" xmlns="">
                 <a:solidFill>
                   <a:srgbClr val="FFFFFF"/>
                 </a:solidFill>
@@ -5799,10 +5799,10 @@
           <p:nvPr/>
         </p:nvPicPr>
         <p:blipFill>
-          <a:blip r:embed="rId3">
+          <a:blip r:embed="rId3" cstate="email">
             <a:extLst>
               <a:ext uri="{28A0092B-C50C-407E-A947-70E740481C1C}">
-                <a14:useLocalDpi xmlns="" xmlns:a="http://schemas.openxmlformats.org/drawingml/2006/main" xmlns:r="http://schemas.openxmlformats.org/officeDocument/2006/relationships" xmlns:p="http://schemas.openxmlformats.org/presentationml/2006/main" xmlns:a14="http://schemas.microsoft.com/office/drawing/2010/main" xmlns:mv="urn:schemas-microsoft-com:mac:vml" xmlns:mc="http://schemas.openxmlformats.org/markup-compatibility/2006" val="0"/>
+                <a14:useLocalDpi xmlns:mc="http://schemas.openxmlformats.org/markup-compatibility/2006" xmlns:mv="urn:schemas-microsoft-com:mac:vml" xmlns:a14="http://schemas.microsoft.com/office/drawing/2010/main" xmlns="" val="0"/>
               </a:ext>
             </a:extLst>
           </a:blip>
@@ -5822,7 +5822,7 @@
           <a:noFill/>
           <a:extLst>
             <a:ext uri="{909E8E84-426E-40DD-AFC4-6F175D3DCCD1}">
-              <a14:hiddenFill xmlns="" xmlns:a="http://schemas.openxmlformats.org/drawingml/2006/main" xmlns:r="http://schemas.openxmlformats.org/officeDocument/2006/relationships" xmlns:p="http://schemas.openxmlformats.org/presentationml/2006/main" xmlns:a14="http://schemas.microsoft.com/office/drawing/2010/main" xmlns:mv="urn:schemas-microsoft-com:mac:vml" xmlns:mc="http://schemas.openxmlformats.org/markup-compatibility/2006">
+              <a14:hiddenFill xmlns:mc="http://schemas.openxmlformats.org/markup-compatibility/2006" xmlns:mv="urn:schemas-microsoft-com:mac:vml" xmlns:a14="http://schemas.microsoft.com/office/drawing/2010/main" xmlns="">
                 <a:solidFill>
                   <a:srgbClr val="FFFFFF"/>
                 </a:solidFill>
@@ -5840,10 +5840,10 @@
           <p:nvPr/>
         </p:nvPicPr>
         <p:blipFill>
-          <a:blip r:embed="rId3">
+          <a:blip r:embed="rId3" cstate="email">
             <a:extLst>
               <a:ext uri="{28A0092B-C50C-407E-A947-70E740481C1C}">
-                <a14:useLocalDpi xmlns="" xmlns:a="http://schemas.openxmlformats.org/drawingml/2006/main" xmlns:r="http://schemas.openxmlformats.org/officeDocument/2006/relationships" xmlns:p="http://schemas.openxmlformats.org/presentationml/2006/main" xmlns:a14="http://schemas.microsoft.com/office/drawing/2010/main" xmlns:mv="urn:schemas-microsoft-com:mac:vml" xmlns:mc="http://schemas.openxmlformats.org/markup-compatibility/2006" val="0"/>
+                <a14:useLocalDpi xmlns:mc="http://schemas.openxmlformats.org/markup-compatibility/2006" xmlns:mv="urn:schemas-microsoft-com:mac:vml" xmlns:a14="http://schemas.microsoft.com/office/drawing/2010/main" xmlns="" val="0"/>
               </a:ext>
             </a:extLst>
           </a:blip>
@@ -5863,7 +5863,7 @@
           <a:noFill/>
           <a:extLst>
             <a:ext uri="{909E8E84-426E-40DD-AFC4-6F175D3DCCD1}">
-              <a14:hiddenFill xmlns="" xmlns:a="http://schemas.openxmlformats.org/drawingml/2006/main" xmlns:r="http://schemas.openxmlformats.org/officeDocument/2006/relationships" xmlns:p="http://schemas.openxmlformats.org/presentationml/2006/main" xmlns:a14="http://schemas.microsoft.com/office/drawing/2010/main" xmlns:mv="urn:schemas-microsoft-com:mac:vml" xmlns:mc="http://schemas.openxmlformats.org/markup-compatibility/2006">
+              <a14:hiddenFill xmlns:mc="http://schemas.openxmlformats.org/markup-compatibility/2006" xmlns:mv="urn:schemas-microsoft-com:mac:vml" xmlns:a14="http://schemas.microsoft.com/office/drawing/2010/main" xmlns="">
                 <a:solidFill>
                   <a:srgbClr val="FFFFFF"/>
                 </a:solidFill>
@@ -5881,10 +5881,10 @@
           <p:nvPr/>
         </p:nvPicPr>
         <p:blipFill>
-          <a:blip r:embed="rId3">
+          <a:blip r:embed="rId3" cstate="email">
             <a:extLst>
               <a:ext uri="{28A0092B-C50C-407E-A947-70E740481C1C}">
-                <a14:useLocalDpi xmlns="" xmlns:a="http://schemas.openxmlformats.org/drawingml/2006/main" xmlns:r="http://schemas.openxmlformats.org/officeDocument/2006/relationships" xmlns:p="http://schemas.openxmlformats.org/presentationml/2006/main" xmlns:a14="http://schemas.microsoft.com/office/drawing/2010/main" xmlns:mv="urn:schemas-microsoft-com:mac:vml" xmlns:mc="http://schemas.openxmlformats.org/markup-compatibility/2006" val="0"/>
+                <a14:useLocalDpi xmlns:mc="http://schemas.openxmlformats.org/markup-compatibility/2006" xmlns:mv="urn:schemas-microsoft-com:mac:vml" xmlns:a14="http://schemas.microsoft.com/office/drawing/2010/main" xmlns="" val="0"/>
               </a:ext>
             </a:extLst>
           </a:blip>
@@ -5904,7 +5904,7 @@
           <a:noFill/>
           <a:extLst>
             <a:ext uri="{909E8E84-426E-40DD-AFC4-6F175D3DCCD1}">
-              <a14:hiddenFill xmlns="" xmlns:a="http://schemas.openxmlformats.org/drawingml/2006/main" xmlns:r="http://schemas.openxmlformats.org/officeDocument/2006/relationships" xmlns:p="http://schemas.openxmlformats.org/presentationml/2006/main" xmlns:a14="http://schemas.microsoft.com/office/drawing/2010/main" xmlns:mv="urn:schemas-microsoft-com:mac:vml" xmlns:mc="http://schemas.openxmlformats.org/markup-compatibility/2006">
+              <a14:hiddenFill xmlns:mc="http://schemas.openxmlformats.org/markup-compatibility/2006" xmlns:mv="urn:schemas-microsoft-com:mac:vml" xmlns:a14="http://schemas.microsoft.com/office/drawing/2010/main" xmlns="">
                 <a:solidFill>
                   <a:srgbClr val="FFFFFF"/>
                 </a:solidFill>
@@ -5922,10 +5922,10 @@
           <p:nvPr/>
         </p:nvPicPr>
         <p:blipFill>
-          <a:blip r:embed="rId2">
+          <a:blip r:embed="rId2" cstate="email">
             <a:extLst>
               <a:ext uri="{28A0092B-C50C-407E-A947-70E740481C1C}">
-                <a14:useLocalDpi xmlns="" xmlns:a="http://schemas.openxmlformats.org/drawingml/2006/main" xmlns:r="http://schemas.openxmlformats.org/officeDocument/2006/relationships" xmlns:p="http://schemas.openxmlformats.org/presentationml/2006/main" xmlns:a14="http://schemas.microsoft.com/office/drawing/2010/main" xmlns:mv="urn:schemas-microsoft-com:mac:vml" xmlns:mc="http://schemas.openxmlformats.org/markup-compatibility/2006" val="0"/>
+                <a14:useLocalDpi xmlns:mc="http://schemas.openxmlformats.org/markup-compatibility/2006" xmlns:mv="urn:schemas-microsoft-com:mac:vml" xmlns:a14="http://schemas.microsoft.com/office/drawing/2010/main" xmlns="" val="0"/>
               </a:ext>
             </a:extLst>
           </a:blip>
@@ -5945,7 +5945,7 @@
           <a:noFill/>
           <a:extLst>
             <a:ext uri="{909E8E84-426E-40DD-AFC4-6F175D3DCCD1}">
-              <a14:hiddenFill xmlns="" xmlns:a="http://schemas.openxmlformats.org/drawingml/2006/main" xmlns:r="http://schemas.openxmlformats.org/officeDocument/2006/relationships" xmlns:p="http://schemas.openxmlformats.org/presentationml/2006/main" xmlns:a14="http://schemas.microsoft.com/office/drawing/2010/main" xmlns:mv="urn:schemas-microsoft-com:mac:vml" xmlns:mc="http://schemas.openxmlformats.org/markup-compatibility/2006">
+              <a14:hiddenFill xmlns:mc="http://schemas.openxmlformats.org/markup-compatibility/2006" xmlns:mv="urn:schemas-microsoft-com:mac:vml" xmlns:a14="http://schemas.microsoft.com/office/drawing/2010/main" xmlns="">
                 <a:solidFill>
                   <a:srgbClr val="FFFFFF"/>
                 </a:solidFill>
@@ -6032,7 +6032,7 @@
     </p:spTree>
     <p:extLst>
       <p:ext uri="{BB962C8B-B14F-4D97-AF65-F5344CB8AC3E}">
-        <p14:creationId xmlns="" xmlns:a="http://schemas.openxmlformats.org/drawingml/2006/main" xmlns:r="http://schemas.openxmlformats.org/officeDocument/2006/relationships" xmlns:p="http://schemas.openxmlformats.org/presentationml/2006/main" xmlns:p14="http://schemas.microsoft.com/office/powerpoint/2010/main" xmlns:mv="urn:schemas-microsoft-com:mac:vml" xmlns:mc="http://schemas.openxmlformats.org/markup-compatibility/2006" val="3589069196"/>
+        <p14:creationId xmlns:mc="http://schemas.openxmlformats.org/markup-compatibility/2006" xmlns:mv="urn:schemas-microsoft-com:mac:vml" xmlns:p14="http://schemas.microsoft.com/office/powerpoint/2010/main" xmlns="" val="3589069196"/>
       </p:ext>
     </p:extLst>
   </p:cSld>
@@ -6043,7 +6043,7 @@
 </file>
 
 <file path=ppt/slides/slide4.xml><?xml version="1.0" encoding="utf-8"?>
-<p:sld xmlns:a="http://schemas.openxmlformats.org/drawingml/2006/main" xmlns:r="http://schemas.openxmlformats.org/officeDocument/2006/relationships" xmlns:mc="http://schemas.openxmlformats.org/markup-compatibility/2006" xmlns:mv="urn:schemas-microsoft-com:mac:vml" xmlns:p="http://schemas.openxmlformats.org/presentationml/2006/main" mc:Ignorable="mv" mc:PreserveAttributes="mv:*">
+<p:sld xmlns:a="http://schemas.openxmlformats.org/drawingml/2006/main" xmlns:r="http://schemas.openxmlformats.org/officeDocument/2006/relationships" xmlns:p="http://schemas.openxmlformats.org/presentationml/2006/main">
   <p:cSld>
     <p:spTree>
       <p:nvGrpSpPr>
@@ -6082,14 +6082,14 @@
           <a:effectLst/>
           <a:extLst>
             <a:ext uri="{909E8E84-426E-40DD-AFC4-6F175D3DCCD1}">
-              <a14:hiddenFill xmlns="" xmlns:a="http://schemas.openxmlformats.org/drawingml/2006/main" xmlns:r="http://schemas.openxmlformats.org/officeDocument/2006/relationships" xmlns:p="http://schemas.openxmlformats.org/presentationml/2006/main" xmlns:a14="http://schemas.microsoft.com/office/drawing/2010/main" xmlns:mv="urn:schemas-microsoft-com:mac:vml" xmlns:mc="http://schemas.openxmlformats.org/markup-compatibility/2006">
+              <a14:hiddenFill xmlns:mc="http://schemas.openxmlformats.org/markup-compatibility/2006" xmlns:mv="urn:schemas-microsoft-com:mac:vml" xmlns:a14="http://schemas.microsoft.com/office/drawing/2010/main" xmlns="">
                 <a:solidFill>
                   <a:schemeClr val="accent1"/>
                 </a:solidFill>
               </a14:hiddenFill>
             </a:ext>
             <a:ext uri="{91240B29-F687-4F45-9708-019B960494DF}">
-              <a14:hiddenLine xmlns="" xmlns:a="http://schemas.openxmlformats.org/drawingml/2006/main" xmlns:r="http://schemas.openxmlformats.org/officeDocument/2006/relationships" xmlns:p="http://schemas.openxmlformats.org/presentationml/2006/main" xmlns:a14="http://schemas.microsoft.com/office/drawing/2010/main" xmlns:mv="urn:schemas-microsoft-com:mac:vml" xmlns:mc="http://schemas.openxmlformats.org/markup-compatibility/2006" w="9525">
+              <a14:hiddenLine xmlns:mc="http://schemas.openxmlformats.org/markup-compatibility/2006" xmlns:mv="urn:schemas-microsoft-com:mac:vml" xmlns:a14="http://schemas.microsoft.com/office/drawing/2010/main" xmlns="" w="9525">
                 <a:solidFill>
                   <a:schemeClr val="tx1"/>
                 </a:solidFill>
@@ -6099,7 +6099,7 @@
               </a14:hiddenLine>
             </a:ext>
             <a:ext uri="{AF507438-7753-43E0-B8FC-AC1667EBCBE1}">
-              <a14:hiddenEffects xmlns="" xmlns:a="http://schemas.openxmlformats.org/drawingml/2006/main" xmlns:r="http://schemas.openxmlformats.org/officeDocument/2006/relationships" xmlns:p="http://schemas.openxmlformats.org/presentationml/2006/main" xmlns:a14="http://schemas.microsoft.com/office/drawing/2010/main" xmlns:mv="urn:schemas-microsoft-com:mac:vml" xmlns:mc="http://schemas.openxmlformats.org/markup-compatibility/2006">
+              <a14:hiddenEffects xmlns:mc="http://schemas.openxmlformats.org/markup-compatibility/2006" xmlns:mv="urn:schemas-microsoft-com:mac:vml" xmlns:a14="http://schemas.microsoft.com/office/drawing/2010/main" xmlns="">
                 <a:effectLst>
                   <a:outerShdw dist="35921" dir="2700000" algn="ctr" rotWithShape="0">
                     <a:schemeClr val="bg2"/>
@@ -6463,10 +6463,10 @@
           <p:nvPr/>
         </p:nvPicPr>
         <p:blipFill>
-          <a:blip r:embed="rId2">
+          <a:blip r:embed="rId2" cstate="email">
             <a:extLst>
               <a:ext uri="{28A0092B-C50C-407E-A947-70E740481C1C}">
-                <a14:useLocalDpi xmlns="" xmlns:a="http://schemas.openxmlformats.org/drawingml/2006/main" xmlns:r="http://schemas.openxmlformats.org/officeDocument/2006/relationships" xmlns:p="http://schemas.openxmlformats.org/presentationml/2006/main" xmlns:a14="http://schemas.microsoft.com/office/drawing/2010/main" xmlns:mv="urn:schemas-microsoft-com:mac:vml" xmlns:mc="http://schemas.openxmlformats.org/markup-compatibility/2006" val="0"/>
+                <a14:useLocalDpi xmlns:mc="http://schemas.openxmlformats.org/markup-compatibility/2006" xmlns:mv="urn:schemas-microsoft-com:mac:vml" xmlns:a14="http://schemas.microsoft.com/office/drawing/2010/main" xmlns="" val="0"/>
               </a:ext>
             </a:extLst>
           </a:blip>
@@ -6486,7 +6486,7 @@
           <a:noFill/>
           <a:extLst>
             <a:ext uri="{909E8E84-426E-40DD-AFC4-6F175D3DCCD1}">
-              <a14:hiddenFill xmlns="" xmlns:a="http://schemas.openxmlformats.org/drawingml/2006/main" xmlns:r="http://schemas.openxmlformats.org/officeDocument/2006/relationships" xmlns:p="http://schemas.openxmlformats.org/presentationml/2006/main" xmlns:a14="http://schemas.microsoft.com/office/drawing/2010/main" xmlns:mv="urn:schemas-microsoft-com:mac:vml" xmlns:mc="http://schemas.openxmlformats.org/markup-compatibility/2006">
+              <a14:hiddenFill xmlns:mc="http://schemas.openxmlformats.org/markup-compatibility/2006" xmlns:mv="urn:schemas-microsoft-com:mac:vml" xmlns:a14="http://schemas.microsoft.com/office/drawing/2010/main" xmlns="">
                 <a:solidFill>
                   <a:srgbClr val="FFFFFF"/>
                 </a:solidFill>
@@ -6504,10 +6504,10 @@
           <p:nvPr/>
         </p:nvPicPr>
         <p:blipFill>
-          <a:blip r:embed="rId2">
+          <a:blip r:embed="rId2" cstate="email">
             <a:extLst>
               <a:ext uri="{28A0092B-C50C-407E-A947-70E740481C1C}">
-                <a14:useLocalDpi xmlns="" xmlns:a="http://schemas.openxmlformats.org/drawingml/2006/main" xmlns:r="http://schemas.openxmlformats.org/officeDocument/2006/relationships" xmlns:p="http://schemas.openxmlformats.org/presentationml/2006/main" xmlns:a14="http://schemas.microsoft.com/office/drawing/2010/main" xmlns:mv="urn:schemas-microsoft-com:mac:vml" xmlns:mc="http://schemas.openxmlformats.org/markup-compatibility/2006" val="0"/>
+                <a14:useLocalDpi xmlns:mc="http://schemas.openxmlformats.org/markup-compatibility/2006" xmlns:mv="urn:schemas-microsoft-com:mac:vml" xmlns:a14="http://schemas.microsoft.com/office/drawing/2010/main" xmlns="" val="0"/>
               </a:ext>
             </a:extLst>
           </a:blip>
@@ -6527,7 +6527,7 @@
           <a:noFill/>
           <a:extLst>
             <a:ext uri="{909E8E84-426E-40DD-AFC4-6F175D3DCCD1}">
-              <a14:hiddenFill xmlns="" xmlns:a="http://schemas.openxmlformats.org/drawingml/2006/main" xmlns:r="http://schemas.openxmlformats.org/officeDocument/2006/relationships" xmlns:p="http://schemas.openxmlformats.org/presentationml/2006/main" xmlns:a14="http://schemas.microsoft.com/office/drawing/2010/main" xmlns:mv="urn:schemas-microsoft-com:mac:vml" xmlns:mc="http://schemas.openxmlformats.org/markup-compatibility/2006">
+              <a14:hiddenFill xmlns:mc="http://schemas.openxmlformats.org/markup-compatibility/2006" xmlns:mv="urn:schemas-microsoft-com:mac:vml" xmlns:a14="http://schemas.microsoft.com/office/drawing/2010/main" xmlns="">
                 <a:solidFill>
                   <a:srgbClr val="FFFFFF"/>
                 </a:solidFill>
@@ -6545,10 +6545,10 @@
           <p:nvPr/>
         </p:nvPicPr>
         <p:blipFill>
-          <a:blip r:embed="rId2">
+          <a:blip r:embed="rId2" cstate="email">
             <a:extLst>
               <a:ext uri="{28A0092B-C50C-407E-A947-70E740481C1C}">
-                <a14:useLocalDpi xmlns="" xmlns:a="http://schemas.openxmlformats.org/drawingml/2006/main" xmlns:r="http://schemas.openxmlformats.org/officeDocument/2006/relationships" xmlns:p="http://schemas.openxmlformats.org/presentationml/2006/main" xmlns:a14="http://schemas.microsoft.com/office/drawing/2010/main" xmlns:mv="urn:schemas-microsoft-com:mac:vml" xmlns:mc="http://schemas.openxmlformats.org/markup-compatibility/2006" val="0"/>
+                <a14:useLocalDpi xmlns:mc="http://schemas.openxmlformats.org/markup-compatibility/2006" xmlns:mv="urn:schemas-microsoft-com:mac:vml" xmlns:a14="http://schemas.microsoft.com/office/drawing/2010/main" xmlns="" val="0"/>
               </a:ext>
             </a:extLst>
           </a:blip>
@@ -6568,7 +6568,7 @@
           <a:noFill/>
           <a:extLst>
             <a:ext uri="{909E8E84-426E-40DD-AFC4-6F175D3DCCD1}">
-              <a14:hiddenFill xmlns="" xmlns:a="http://schemas.openxmlformats.org/drawingml/2006/main" xmlns:r="http://schemas.openxmlformats.org/officeDocument/2006/relationships" xmlns:p="http://schemas.openxmlformats.org/presentationml/2006/main" xmlns:a14="http://schemas.microsoft.com/office/drawing/2010/main" xmlns:mv="urn:schemas-microsoft-com:mac:vml" xmlns:mc="http://schemas.openxmlformats.org/markup-compatibility/2006">
+              <a14:hiddenFill xmlns:mc="http://schemas.openxmlformats.org/markup-compatibility/2006" xmlns:mv="urn:schemas-microsoft-com:mac:vml" xmlns:a14="http://schemas.microsoft.com/office/drawing/2010/main" xmlns="">
                 <a:solidFill>
                   <a:srgbClr val="FFFFFF"/>
                 </a:solidFill>
@@ -6586,10 +6586,10 @@
           <p:nvPr/>
         </p:nvPicPr>
         <p:blipFill>
-          <a:blip r:embed="rId3">
+          <a:blip r:embed="rId3" cstate="email">
             <a:extLst>
               <a:ext uri="{28A0092B-C50C-407E-A947-70E740481C1C}">
-                <a14:useLocalDpi xmlns="" xmlns:a="http://schemas.openxmlformats.org/drawingml/2006/main" xmlns:r="http://schemas.openxmlformats.org/officeDocument/2006/relationships" xmlns:p="http://schemas.openxmlformats.org/presentationml/2006/main" xmlns:a14="http://schemas.microsoft.com/office/drawing/2010/main" xmlns:mv="urn:schemas-microsoft-com:mac:vml" xmlns:mc="http://schemas.openxmlformats.org/markup-compatibility/2006" val="0"/>
+                <a14:useLocalDpi xmlns:mc="http://schemas.openxmlformats.org/markup-compatibility/2006" xmlns:mv="urn:schemas-microsoft-com:mac:vml" xmlns:a14="http://schemas.microsoft.com/office/drawing/2010/main" xmlns="" val="0"/>
               </a:ext>
             </a:extLst>
           </a:blip>
@@ -6609,7 +6609,7 @@
           <a:noFill/>
           <a:extLst>
             <a:ext uri="{909E8E84-426E-40DD-AFC4-6F175D3DCCD1}">
-              <a14:hiddenFill xmlns="" xmlns:a="http://schemas.openxmlformats.org/drawingml/2006/main" xmlns:r="http://schemas.openxmlformats.org/officeDocument/2006/relationships" xmlns:p="http://schemas.openxmlformats.org/presentationml/2006/main" xmlns:a14="http://schemas.microsoft.com/office/drawing/2010/main" xmlns:mv="urn:schemas-microsoft-com:mac:vml" xmlns:mc="http://schemas.openxmlformats.org/markup-compatibility/2006">
+              <a14:hiddenFill xmlns:mc="http://schemas.openxmlformats.org/markup-compatibility/2006" xmlns:mv="urn:schemas-microsoft-com:mac:vml" xmlns:a14="http://schemas.microsoft.com/office/drawing/2010/main" xmlns="">
                 <a:solidFill>
                   <a:srgbClr val="FFFFFF"/>
                 </a:solidFill>
@@ -6627,10 +6627,10 @@
           <p:nvPr/>
         </p:nvPicPr>
         <p:blipFill>
-          <a:blip r:embed="rId3">
+          <a:blip r:embed="rId3" cstate="email">
             <a:extLst>
               <a:ext uri="{28A0092B-C50C-407E-A947-70E740481C1C}">
-                <a14:useLocalDpi xmlns="" xmlns:a="http://schemas.openxmlformats.org/drawingml/2006/main" xmlns:r="http://schemas.openxmlformats.org/officeDocument/2006/relationships" xmlns:p="http://schemas.openxmlformats.org/presentationml/2006/main" xmlns:a14="http://schemas.microsoft.com/office/drawing/2010/main" xmlns:mv="urn:schemas-microsoft-com:mac:vml" xmlns:mc="http://schemas.openxmlformats.org/markup-compatibility/2006" val="0"/>
+                <a14:useLocalDpi xmlns:mc="http://schemas.openxmlformats.org/markup-compatibility/2006" xmlns:mv="urn:schemas-microsoft-com:mac:vml" xmlns:a14="http://schemas.microsoft.com/office/drawing/2010/main" xmlns="" val="0"/>
               </a:ext>
             </a:extLst>
           </a:blip>
@@ -6650,7 +6650,7 @@
           <a:noFill/>
           <a:extLst>
             <a:ext uri="{909E8E84-426E-40DD-AFC4-6F175D3DCCD1}">
-              <a14:hiddenFill xmlns="" xmlns:a="http://schemas.openxmlformats.org/drawingml/2006/main" xmlns:r="http://schemas.openxmlformats.org/officeDocument/2006/relationships" xmlns:p="http://schemas.openxmlformats.org/presentationml/2006/main" xmlns:a14="http://schemas.microsoft.com/office/drawing/2010/main" xmlns:mv="urn:schemas-microsoft-com:mac:vml" xmlns:mc="http://schemas.openxmlformats.org/markup-compatibility/2006">
+              <a14:hiddenFill xmlns:mc="http://schemas.openxmlformats.org/markup-compatibility/2006" xmlns:mv="urn:schemas-microsoft-com:mac:vml" xmlns:a14="http://schemas.microsoft.com/office/drawing/2010/main" xmlns="">
                 <a:solidFill>
                   <a:srgbClr val="FFFFFF"/>
                 </a:solidFill>
@@ -6668,10 +6668,10 @@
           <p:nvPr/>
         </p:nvPicPr>
         <p:blipFill>
-          <a:blip r:embed="rId3">
+          <a:blip r:embed="rId3" cstate="email">
             <a:extLst>
               <a:ext uri="{28A0092B-C50C-407E-A947-70E740481C1C}">
-                <a14:useLocalDpi xmlns="" xmlns:a="http://schemas.openxmlformats.org/drawingml/2006/main" xmlns:r="http://schemas.openxmlformats.org/officeDocument/2006/relationships" xmlns:p="http://schemas.openxmlformats.org/presentationml/2006/main" xmlns:a14="http://schemas.microsoft.com/office/drawing/2010/main" xmlns:mv="urn:schemas-microsoft-com:mac:vml" xmlns:mc="http://schemas.openxmlformats.org/markup-compatibility/2006" val="0"/>
+                <a14:useLocalDpi xmlns:mc="http://schemas.openxmlformats.org/markup-compatibility/2006" xmlns:mv="urn:schemas-microsoft-com:mac:vml" xmlns:a14="http://schemas.microsoft.com/office/drawing/2010/main" xmlns="" val="0"/>
               </a:ext>
             </a:extLst>
           </a:blip>
@@ -6691,7 +6691,7 @@
           <a:noFill/>
           <a:extLst>
             <a:ext uri="{909E8E84-426E-40DD-AFC4-6F175D3DCCD1}">
-              <a14:hiddenFill xmlns="" xmlns:a="http://schemas.openxmlformats.org/drawingml/2006/main" xmlns:r="http://schemas.openxmlformats.org/officeDocument/2006/relationships" xmlns:p="http://schemas.openxmlformats.org/presentationml/2006/main" xmlns:a14="http://schemas.microsoft.com/office/drawing/2010/main" xmlns:mv="urn:schemas-microsoft-com:mac:vml" xmlns:mc="http://schemas.openxmlformats.org/markup-compatibility/2006">
+              <a14:hiddenFill xmlns:mc="http://schemas.openxmlformats.org/markup-compatibility/2006" xmlns:mv="urn:schemas-microsoft-com:mac:vml" xmlns:a14="http://schemas.microsoft.com/office/drawing/2010/main" xmlns="">
                 <a:solidFill>
                   <a:srgbClr val="FFFFFF"/>
                 </a:solidFill>
@@ -6709,10 +6709,10 @@
           <p:nvPr/>
         </p:nvPicPr>
         <p:blipFill>
-          <a:blip r:embed="rId3">
+          <a:blip r:embed="rId3" cstate="email">
             <a:extLst>
               <a:ext uri="{28A0092B-C50C-407E-A947-70E740481C1C}">
-                <a14:useLocalDpi xmlns="" xmlns:a="http://schemas.openxmlformats.org/drawingml/2006/main" xmlns:r="http://schemas.openxmlformats.org/officeDocument/2006/relationships" xmlns:p="http://schemas.openxmlformats.org/presentationml/2006/main" xmlns:a14="http://schemas.microsoft.com/office/drawing/2010/main" xmlns:mv="urn:schemas-microsoft-com:mac:vml" xmlns:mc="http://schemas.openxmlformats.org/markup-compatibility/2006" val="0"/>
+                <a14:useLocalDpi xmlns:mc="http://schemas.openxmlformats.org/markup-compatibility/2006" xmlns:mv="urn:schemas-microsoft-com:mac:vml" xmlns:a14="http://schemas.microsoft.com/office/drawing/2010/main" xmlns="" val="0"/>
               </a:ext>
             </a:extLst>
           </a:blip>
@@ -6732,7 +6732,7 @@
           <a:noFill/>
           <a:extLst>
             <a:ext uri="{909E8E84-426E-40DD-AFC4-6F175D3DCCD1}">
-              <a14:hiddenFill xmlns="" xmlns:a="http://schemas.openxmlformats.org/drawingml/2006/main" xmlns:r="http://schemas.openxmlformats.org/officeDocument/2006/relationships" xmlns:p="http://schemas.openxmlformats.org/presentationml/2006/main" xmlns:a14="http://schemas.microsoft.com/office/drawing/2010/main" xmlns:mv="urn:schemas-microsoft-com:mac:vml" xmlns:mc="http://schemas.openxmlformats.org/markup-compatibility/2006">
+              <a14:hiddenFill xmlns:mc="http://schemas.openxmlformats.org/markup-compatibility/2006" xmlns:mv="urn:schemas-microsoft-com:mac:vml" xmlns:a14="http://schemas.microsoft.com/office/drawing/2010/main" xmlns="">
                 <a:solidFill>
                   <a:srgbClr val="FFFFFF"/>
                 </a:solidFill>
@@ -6750,10 +6750,10 @@
           <p:nvPr/>
         </p:nvPicPr>
         <p:blipFill>
-          <a:blip r:embed="rId2">
+          <a:blip r:embed="rId2" cstate="email">
             <a:extLst>
               <a:ext uri="{28A0092B-C50C-407E-A947-70E740481C1C}">
-                <a14:useLocalDpi xmlns="" xmlns:a="http://schemas.openxmlformats.org/drawingml/2006/main" xmlns:r="http://schemas.openxmlformats.org/officeDocument/2006/relationships" xmlns:p="http://schemas.openxmlformats.org/presentationml/2006/main" xmlns:a14="http://schemas.microsoft.com/office/drawing/2010/main" xmlns:mv="urn:schemas-microsoft-com:mac:vml" xmlns:mc="http://schemas.openxmlformats.org/markup-compatibility/2006" val="0"/>
+                <a14:useLocalDpi xmlns:mc="http://schemas.openxmlformats.org/markup-compatibility/2006" xmlns:mv="urn:schemas-microsoft-com:mac:vml" xmlns:a14="http://schemas.microsoft.com/office/drawing/2010/main" xmlns="" val="0"/>
               </a:ext>
             </a:extLst>
           </a:blip>
@@ -6773,7 +6773,7 @@
           <a:noFill/>
           <a:extLst>
             <a:ext uri="{909E8E84-426E-40DD-AFC4-6F175D3DCCD1}">
-              <a14:hiddenFill xmlns="" xmlns:a="http://schemas.openxmlformats.org/drawingml/2006/main" xmlns:r="http://schemas.openxmlformats.org/officeDocument/2006/relationships" xmlns:p="http://schemas.openxmlformats.org/presentationml/2006/main" xmlns:a14="http://schemas.microsoft.com/office/drawing/2010/main" xmlns:mv="urn:schemas-microsoft-com:mac:vml" xmlns:mc="http://schemas.openxmlformats.org/markup-compatibility/2006">
+              <a14:hiddenFill xmlns:mc="http://schemas.openxmlformats.org/markup-compatibility/2006" xmlns:mv="urn:schemas-microsoft-com:mac:vml" xmlns:a14="http://schemas.microsoft.com/office/drawing/2010/main" xmlns="">
                 <a:solidFill>
                   <a:srgbClr val="FFFFFF"/>
                 </a:solidFill>
@@ -6866,10 +6866,10 @@
           <p:nvPr/>
         </p:nvPicPr>
         <p:blipFill rotWithShape="1">
-          <a:blip r:embed="rId4">
+          <a:blip r:embed="rId4" cstate="email">
             <a:extLst>
               <a:ext uri="{28A0092B-C50C-407E-A947-70E740481C1C}">
-                <a14:useLocalDpi xmlns="" xmlns:a="http://schemas.openxmlformats.org/drawingml/2006/main" xmlns:r="http://schemas.openxmlformats.org/officeDocument/2006/relationships" xmlns:p="http://schemas.openxmlformats.org/presentationml/2006/main" xmlns:a14="http://schemas.microsoft.com/office/drawing/2010/main" xmlns:mv="urn:schemas-microsoft-com:mac:vml" xmlns:mc="http://schemas.openxmlformats.org/markup-compatibility/2006" val="0"/>
+                <a14:useLocalDpi xmlns:mc="http://schemas.openxmlformats.org/markup-compatibility/2006" xmlns:mv="urn:schemas-microsoft-com:mac:vml" xmlns:a14="http://schemas.microsoft.com/office/drawing/2010/main" xmlns="" val="0"/>
               </a:ext>
             </a:extLst>
           </a:blip>
@@ -6891,14 +6891,14 @@
           <a:effectLst/>
           <a:extLst>
             <a:ext uri="{909E8E84-426E-40DD-AFC4-6F175D3DCCD1}">
-              <a14:hiddenFill xmlns="" xmlns:a="http://schemas.openxmlformats.org/drawingml/2006/main" xmlns:r="http://schemas.openxmlformats.org/officeDocument/2006/relationships" xmlns:p="http://schemas.openxmlformats.org/presentationml/2006/main" xmlns:a14="http://schemas.microsoft.com/office/drawing/2010/main" xmlns:mv="urn:schemas-microsoft-com:mac:vml" xmlns:mc="http://schemas.openxmlformats.org/markup-compatibility/2006">
+              <a14:hiddenFill xmlns:mc="http://schemas.openxmlformats.org/markup-compatibility/2006" xmlns:mv="urn:schemas-microsoft-com:mac:vml" xmlns:a14="http://schemas.microsoft.com/office/drawing/2010/main" xmlns="">
                 <a:solidFill>
                   <a:schemeClr val="accent1"/>
                 </a:solidFill>
               </a14:hiddenFill>
             </a:ext>
             <a:ext uri="{91240B29-F687-4F45-9708-019B960494DF}">
-              <a14:hiddenLine xmlns="" xmlns:a="http://schemas.openxmlformats.org/drawingml/2006/main" xmlns:r="http://schemas.openxmlformats.org/officeDocument/2006/relationships" xmlns:p="http://schemas.openxmlformats.org/presentationml/2006/main" xmlns:a14="http://schemas.microsoft.com/office/drawing/2010/main" xmlns:mv="urn:schemas-microsoft-com:mac:vml" xmlns:mc="http://schemas.openxmlformats.org/markup-compatibility/2006" w="9525">
+              <a14:hiddenLine xmlns:mc="http://schemas.openxmlformats.org/markup-compatibility/2006" xmlns:mv="urn:schemas-microsoft-com:mac:vml" xmlns:a14="http://schemas.microsoft.com/office/drawing/2010/main" xmlns="" w="9525">
                 <a:solidFill>
                   <a:schemeClr val="tx1"/>
                 </a:solidFill>
@@ -6908,7 +6908,7 @@
               </a14:hiddenLine>
             </a:ext>
             <a:ext uri="{AF507438-7753-43E0-B8FC-AC1667EBCBE1}">
-              <a14:hiddenEffects xmlns="" xmlns:a="http://schemas.openxmlformats.org/drawingml/2006/main" xmlns:r="http://schemas.openxmlformats.org/officeDocument/2006/relationships" xmlns:p="http://schemas.openxmlformats.org/presentationml/2006/main" xmlns:a14="http://schemas.microsoft.com/office/drawing/2010/main" xmlns:mv="urn:schemas-microsoft-com:mac:vml" xmlns:mc="http://schemas.openxmlformats.org/markup-compatibility/2006">
+              <a14:hiddenEffects xmlns:mc="http://schemas.openxmlformats.org/markup-compatibility/2006" xmlns:mv="urn:schemas-microsoft-com:mac:vml" xmlns:a14="http://schemas.microsoft.com/office/drawing/2010/main" xmlns="">
                 <a:effectLst>
                   <a:outerShdw dist="35921" dir="2700000" algn="ctr" rotWithShape="0">
                     <a:schemeClr val="bg2"/>
@@ -6922,7 +6922,7 @@
     </p:spTree>
     <p:extLst>
       <p:ext uri="{BB962C8B-B14F-4D97-AF65-F5344CB8AC3E}">
-        <p14:creationId xmlns="" xmlns:a="http://schemas.openxmlformats.org/drawingml/2006/main" xmlns:r="http://schemas.openxmlformats.org/officeDocument/2006/relationships" xmlns:p="http://schemas.openxmlformats.org/presentationml/2006/main" xmlns:p14="http://schemas.microsoft.com/office/powerpoint/2010/main" xmlns:mv="urn:schemas-microsoft-com:mac:vml" xmlns:mc="http://schemas.openxmlformats.org/markup-compatibility/2006" val="241104243"/>
+        <p14:creationId xmlns:mc="http://schemas.openxmlformats.org/markup-compatibility/2006" xmlns:mv="urn:schemas-microsoft-com:mac:vml" xmlns:p14="http://schemas.microsoft.com/office/powerpoint/2010/main" xmlns="" val="241104243"/>
       </p:ext>
     </p:extLst>
   </p:cSld>
@@ -6933,7 +6933,7 @@
 </file>
 
 <file path=ppt/slides/slide5.xml><?xml version="1.0" encoding="utf-8"?>
-<p:sld xmlns:a="http://schemas.openxmlformats.org/drawingml/2006/main" xmlns:r="http://schemas.openxmlformats.org/officeDocument/2006/relationships" xmlns:mc="http://schemas.openxmlformats.org/markup-compatibility/2006" xmlns:mv="urn:schemas-microsoft-com:mac:vml" xmlns:p="http://schemas.openxmlformats.org/presentationml/2006/main" mc:Ignorable="mv" mc:PreserveAttributes="mv:*">
+<p:sld xmlns:a="http://schemas.openxmlformats.org/drawingml/2006/main" xmlns:r="http://schemas.openxmlformats.org/officeDocument/2006/relationships" xmlns:p="http://schemas.openxmlformats.org/presentationml/2006/main">
   <p:cSld>
     <p:spTree>
       <p:nvGrpSpPr>
@@ -6972,14 +6972,14 @@
           <a:effectLst/>
           <a:extLst>
             <a:ext uri="{909E8E84-426E-40DD-AFC4-6F175D3DCCD1}">
-              <a14:hiddenFill xmlns="" xmlns:a="http://schemas.openxmlformats.org/drawingml/2006/main" xmlns:r="http://schemas.openxmlformats.org/officeDocument/2006/relationships" xmlns:p="http://schemas.openxmlformats.org/presentationml/2006/main" xmlns:a14="http://schemas.microsoft.com/office/drawing/2010/main" xmlns:mv="urn:schemas-microsoft-com:mac:vml" xmlns:mc="http://schemas.openxmlformats.org/markup-compatibility/2006">
+              <a14:hiddenFill xmlns:mc="http://schemas.openxmlformats.org/markup-compatibility/2006" xmlns:mv="urn:schemas-microsoft-com:mac:vml" xmlns:a14="http://schemas.microsoft.com/office/drawing/2010/main" xmlns="">
                 <a:solidFill>
                   <a:schemeClr val="accent1"/>
                 </a:solidFill>
               </a14:hiddenFill>
             </a:ext>
             <a:ext uri="{91240B29-F687-4F45-9708-019B960494DF}">
-              <a14:hiddenLine xmlns="" xmlns:a="http://schemas.openxmlformats.org/drawingml/2006/main" xmlns:r="http://schemas.openxmlformats.org/officeDocument/2006/relationships" xmlns:p="http://schemas.openxmlformats.org/presentationml/2006/main" xmlns:a14="http://schemas.microsoft.com/office/drawing/2010/main" xmlns:mv="urn:schemas-microsoft-com:mac:vml" xmlns:mc="http://schemas.openxmlformats.org/markup-compatibility/2006" w="9525">
+              <a14:hiddenLine xmlns:mc="http://schemas.openxmlformats.org/markup-compatibility/2006" xmlns:mv="urn:schemas-microsoft-com:mac:vml" xmlns:a14="http://schemas.microsoft.com/office/drawing/2010/main" xmlns="" w="9525">
                 <a:solidFill>
                   <a:schemeClr val="tx1"/>
                 </a:solidFill>
@@ -6989,7 +6989,7 @@
               </a14:hiddenLine>
             </a:ext>
             <a:ext uri="{AF507438-7753-43E0-B8FC-AC1667EBCBE1}">
-              <a14:hiddenEffects xmlns="" xmlns:a="http://schemas.openxmlformats.org/drawingml/2006/main" xmlns:r="http://schemas.openxmlformats.org/officeDocument/2006/relationships" xmlns:p="http://schemas.openxmlformats.org/presentationml/2006/main" xmlns:a14="http://schemas.microsoft.com/office/drawing/2010/main" xmlns:mv="urn:schemas-microsoft-com:mac:vml" xmlns:mc="http://schemas.openxmlformats.org/markup-compatibility/2006">
+              <a14:hiddenEffects xmlns:mc="http://schemas.openxmlformats.org/markup-compatibility/2006" xmlns:mv="urn:schemas-microsoft-com:mac:vml" xmlns:a14="http://schemas.microsoft.com/office/drawing/2010/main" xmlns="">
                 <a:effectLst>
                   <a:outerShdw dist="35921" dir="2700000" algn="ctr" rotWithShape="0">
                     <a:schemeClr val="bg2"/>
@@ -7174,10 +7174,10 @@
           <p:nvPr/>
         </p:nvPicPr>
         <p:blipFill>
-          <a:blip r:embed="rId2">
+          <a:blip r:embed="rId2" cstate="email">
             <a:extLst>
               <a:ext uri="{28A0092B-C50C-407E-A947-70E740481C1C}">
-                <a14:useLocalDpi xmlns="" xmlns:a="http://schemas.openxmlformats.org/drawingml/2006/main" xmlns:r="http://schemas.openxmlformats.org/officeDocument/2006/relationships" xmlns:p="http://schemas.openxmlformats.org/presentationml/2006/main" xmlns:a14="http://schemas.microsoft.com/office/drawing/2010/main" xmlns:mv="urn:schemas-microsoft-com:mac:vml" xmlns:mc="http://schemas.openxmlformats.org/markup-compatibility/2006" val="0"/>
+                <a14:useLocalDpi xmlns:mc="http://schemas.openxmlformats.org/markup-compatibility/2006" xmlns:mv="urn:schemas-microsoft-com:mac:vml" xmlns:a14="http://schemas.microsoft.com/office/drawing/2010/main" xmlns="" val="0"/>
               </a:ext>
             </a:extLst>
           </a:blip>
@@ -7197,7 +7197,7 @@
           <a:noFill/>
           <a:extLst>
             <a:ext uri="{909E8E84-426E-40DD-AFC4-6F175D3DCCD1}">
-              <a14:hiddenFill xmlns="" xmlns:a="http://schemas.openxmlformats.org/drawingml/2006/main" xmlns:r="http://schemas.openxmlformats.org/officeDocument/2006/relationships" xmlns:p="http://schemas.openxmlformats.org/presentationml/2006/main" xmlns:a14="http://schemas.microsoft.com/office/drawing/2010/main" xmlns:mv="urn:schemas-microsoft-com:mac:vml" xmlns:mc="http://schemas.openxmlformats.org/markup-compatibility/2006">
+              <a14:hiddenFill xmlns:mc="http://schemas.openxmlformats.org/markup-compatibility/2006" xmlns:mv="urn:schemas-microsoft-com:mac:vml" xmlns:a14="http://schemas.microsoft.com/office/drawing/2010/main" xmlns="">
                 <a:solidFill>
                   <a:srgbClr val="FFFFFF"/>
                 </a:solidFill>
@@ -7209,7 +7209,7 @@
     </p:spTree>
     <p:extLst>
       <p:ext uri="{BB962C8B-B14F-4D97-AF65-F5344CB8AC3E}">
-        <p14:creationId xmlns="" xmlns:a="http://schemas.openxmlformats.org/drawingml/2006/main" xmlns:r="http://schemas.openxmlformats.org/officeDocument/2006/relationships" xmlns:p="http://schemas.openxmlformats.org/presentationml/2006/main" xmlns:p14="http://schemas.microsoft.com/office/powerpoint/2010/main" xmlns:mv="urn:schemas-microsoft-com:mac:vml" xmlns:mc="http://schemas.openxmlformats.org/markup-compatibility/2006" val="3001902072"/>
+        <p14:creationId xmlns:mc="http://schemas.openxmlformats.org/markup-compatibility/2006" xmlns:mv="urn:schemas-microsoft-com:mac:vml" xmlns:p14="http://schemas.microsoft.com/office/powerpoint/2010/main" xmlns="" val="3001902072"/>
       </p:ext>
     </p:extLst>
   </p:cSld>
@@ -7220,7 +7220,7 @@
 </file>
 
 <file path=ppt/slides/slide6.xml><?xml version="1.0" encoding="utf-8"?>
-<p:sld xmlns:a="http://schemas.openxmlformats.org/drawingml/2006/main" xmlns:r="http://schemas.openxmlformats.org/officeDocument/2006/relationships" xmlns:mc="http://schemas.openxmlformats.org/markup-compatibility/2006" xmlns:mv="urn:schemas-microsoft-com:mac:vml" xmlns:p="http://schemas.openxmlformats.org/presentationml/2006/main" mc:Ignorable="mv" mc:PreserveAttributes="mv:*">
+<p:sld xmlns:a="http://schemas.openxmlformats.org/drawingml/2006/main" xmlns:r="http://schemas.openxmlformats.org/officeDocument/2006/relationships" xmlns:p="http://schemas.openxmlformats.org/presentationml/2006/main">
   <p:cSld>
     <p:spTree>
       <p:nvGrpSpPr>
@@ -7259,14 +7259,14 @@
           <a:effectLst/>
           <a:extLst>
             <a:ext uri="{909E8E84-426E-40DD-AFC4-6F175D3DCCD1}">
-              <a14:hiddenFill xmlns="" xmlns:a="http://schemas.openxmlformats.org/drawingml/2006/main" xmlns:r="http://schemas.openxmlformats.org/officeDocument/2006/relationships" xmlns:p="http://schemas.openxmlformats.org/presentationml/2006/main" xmlns:a14="http://schemas.microsoft.com/office/drawing/2010/main" xmlns:mv="urn:schemas-microsoft-com:mac:vml" xmlns:mc="http://schemas.openxmlformats.org/markup-compatibility/2006">
+              <a14:hiddenFill xmlns:mc="http://schemas.openxmlformats.org/markup-compatibility/2006" xmlns:mv="urn:schemas-microsoft-com:mac:vml" xmlns:a14="http://schemas.microsoft.com/office/drawing/2010/main" xmlns="">
                 <a:solidFill>
                   <a:schemeClr val="accent1"/>
                 </a:solidFill>
               </a14:hiddenFill>
             </a:ext>
             <a:ext uri="{91240B29-F687-4F45-9708-019B960494DF}">
-              <a14:hiddenLine xmlns="" xmlns:a="http://schemas.openxmlformats.org/drawingml/2006/main" xmlns:r="http://schemas.openxmlformats.org/officeDocument/2006/relationships" xmlns:p="http://schemas.openxmlformats.org/presentationml/2006/main" xmlns:a14="http://schemas.microsoft.com/office/drawing/2010/main" xmlns:mv="urn:schemas-microsoft-com:mac:vml" xmlns:mc="http://schemas.openxmlformats.org/markup-compatibility/2006" w="9525">
+              <a14:hiddenLine xmlns:mc="http://schemas.openxmlformats.org/markup-compatibility/2006" xmlns:mv="urn:schemas-microsoft-com:mac:vml" xmlns:a14="http://schemas.microsoft.com/office/drawing/2010/main" xmlns="" w="9525">
                 <a:solidFill>
                   <a:schemeClr val="tx1"/>
                 </a:solidFill>
@@ -7276,7 +7276,7 @@
               </a14:hiddenLine>
             </a:ext>
             <a:ext uri="{AF507438-7753-43E0-B8FC-AC1667EBCBE1}">
-              <a14:hiddenEffects xmlns="" xmlns:a="http://schemas.openxmlformats.org/drawingml/2006/main" xmlns:r="http://schemas.openxmlformats.org/officeDocument/2006/relationships" xmlns:p="http://schemas.openxmlformats.org/presentationml/2006/main" xmlns:a14="http://schemas.microsoft.com/office/drawing/2010/main" xmlns:mv="urn:schemas-microsoft-com:mac:vml" xmlns:mc="http://schemas.openxmlformats.org/markup-compatibility/2006">
+              <a14:hiddenEffects xmlns:mc="http://schemas.openxmlformats.org/markup-compatibility/2006" xmlns:mv="urn:schemas-microsoft-com:mac:vml" xmlns:a14="http://schemas.microsoft.com/office/drawing/2010/main" xmlns="">
                 <a:effectLst>
                   <a:outerShdw dist="35921" dir="2700000" algn="ctr" rotWithShape="0">
                     <a:schemeClr val="bg2"/>
@@ -7626,10 +7626,10 @@
           <p:nvPr/>
         </p:nvPicPr>
         <p:blipFill>
-          <a:blip r:embed="rId2">
+          <a:blip r:embed="rId2" cstate="email">
             <a:extLst>
               <a:ext uri="{28A0092B-C50C-407E-A947-70E740481C1C}">
-                <a14:useLocalDpi xmlns="" xmlns:a="http://schemas.openxmlformats.org/drawingml/2006/main" xmlns:r="http://schemas.openxmlformats.org/officeDocument/2006/relationships" xmlns:p="http://schemas.openxmlformats.org/presentationml/2006/main" xmlns:a14="http://schemas.microsoft.com/office/drawing/2010/main" xmlns:mv="urn:schemas-microsoft-com:mac:vml" xmlns:mc="http://schemas.openxmlformats.org/markup-compatibility/2006" val="0"/>
+                <a14:useLocalDpi xmlns:mc="http://schemas.openxmlformats.org/markup-compatibility/2006" xmlns:mv="urn:schemas-microsoft-com:mac:vml" xmlns:a14="http://schemas.microsoft.com/office/drawing/2010/main" xmlns="" val="0"/>
               </a:ext>
             </a:extLst>
           </a:blip>
@@ -7649,7 +7649,7 @@
           <a:noFill/>
           <a:extLst>
             <a:ext uri="{909E8E84-426E-40DD-AFC4-6F175D3DCCD1}">
-              <a14:hiddenFill xmlns="" xmlns:a="http://schemas.openxmlformats.org/drawingml/2006/main" xmlns:r="http://schemas.openxmlformats.org/officeDocument/2006/relationships" xmlns:p="http://schemas.openxmlformats.org/presentationml/2006/main" xmlns:a14="http://schemas.microsoft.com/office/drawing/2010/main" xmlns:mv="urn:schemas-microsoft-com:mac:vml" xmlns:mc="http://schemas.openxmlformats.org/markup-compatibility/2006">
+              <a14:hiddenFill xmlns:mc="http://schemas.openxmlformats.org/markup-compatibility/2006" xmlns:mv="urn:schemas-microsoft-com:mac:vml" xmlns:a14="http://schemas.microsoft.com/office/drawing/2010/main" xmlns="">
                 <a:solidFill>
                   <a:srgbClr val="FFFFFF"/>
                 </a:solidFill>
@@ -7661,7 +7661,7 @@
     </p:spTree>
     <p:extLst>
       <p:ext uri="{BB962C8B-B14F-4D97-AF65-F5344CB8AC3E}">
-        <p14:creationId xmlns="" xmlns:a="http://schemas.openxmlformats.org/drawingml/2006/main" xmlns:r="http://schemas.openxmlformats.org/officeDocument/2006/relationships" xmlns:p="http://schemas.openxmlformats.org/presentationml/2006/main" xmlns:p14="http://schemas.microsoft.com/office/powerpoint/2010/main" xmlns:mv="urn:schemas-microsoft-com:mac:vml" xmlns:mc="http://schemas.openxmlformats.org/markup-compatibility/2006" val="3968578712"/>
+        <p14:creationId xmlns:mc="http://schemas.openxmlformats.org/markup-compatibility/2006" xmlns:mv="urn:schemas-microsoft-com:mac:vml" xmlns:p14="http://schemas.microsoft.com/office/powerpoint/2010/main" xmlns="" val="3968578712"/>
       </p:ext>
     </p:extLst>
   </p:cSld>
@@ -7672,7 +7672,7 @@
 </file>
 
 <file path=ppt/slides/slide7.xml><?xml version="1.0" encoding="utf-8"?>
-<p:sld xmlns:a="http://schemas.openxmlformats.org/drawingml/2006/main" xmlns:r="http://schemas.openxmlformats.org/officeDocument/2006/relationships" xmlns:mc="http://schemas.openxmlformats.org/markup-compatibility/2006" xmlns:mv="urn:schemas-microsoft-com:mac:vml" xmlns:p="http://schemas.openxmlformats.org/presentationml/2006/main" mc:Ignorable="mv" mc:PreserveAttributes="mv:*">
+<p:sld xmlns:a="http://schemas.openxmlformats.org/drawingml/2006/main" xmlns:r="http://schemas.openxmlformats.org/officeDocument/2006/relationships" xmlns:p="http://schemas.openxmlformats.org/presentationml/2006/main">
   <p:cSld>
     <p:spTree>
       <p:nvGrpSpPr>
@@ -7711,14 +7711,14 @@
           <a:effectLst/>
           <a:extLst>
             <a:ext uri="{909E8E84-426E-40DD-AFC4-6F175D3DCCD1}">
-              <a14:hiddenFill xmlns="" xmlns:a="http://schemas.openxmlformats.org/drawingml/2006/main" xmlns:r="http://schemas.openxmlformats.org/officeDocument/2006/relationships" xmlns:p="http://schemas.openxmlformats.org/presentationml/2006/main" xmlns:a14="http://schemas.microsoft.com/office/drawing/2010/main" xmlns:mv="urn:schemas-microsoft-com:mac:vml" xmlns:mc="http://schemas.openxmlformats.org/markup-compatibility/2006">
+              <a14:hiddenFill xmlns:mc="http://schemas.openxmlformats.org/markup-compatibility/2006" xmlns:mv="urn:schemas-microsoft-com:mac:vml" xmlns:a14="http://schemas.microsoft.com/office/drawing/2010/main" xmlns="">
                 <a:solidFill>
                   <a:schemeClr val="accent1"/>
                 </a:solidFill>
               </a14:hiddenFill>
             </a:ext>
             <a:ext uri="{91240B29-F687-4F45-9708-019B960494DF}">
-              <a14:hiddenLine xmlns="" xmlns:a="http://schemas.openxmlformats.org/drawingml/2006/main" xmlns:r="http://schemas.openxmlformats.org/officeDocument/2006/relationships" xmlns:p="http://schemas.openxmlformats.org/presentationml/2006/main" xmlns:a14="http://schemas.microsoft.com/office/drawing/2010/main" xmlns:mv="urn:schemas-microsoft-com:mac:vml" xmlns:mc="http://schemas.openxmlformats.org/markup-compatibility/2006" w="9525">
+              <a14:hiddenLine xmlns:mc="http://schemas.openxmlformats.org/markup-compatibility/2006" xmlns:mv="urn:schemas-microsoft-com:mac:vml" xmlns:a14="http://schemas.microsoft.com/office/drawing/2010/main" xmlns="" w="9525">
                 <a:solidFill>
                   <a:schemeClr val="tx1"/>
                 </a:solidFill>
@@ -7728,7 +7728,7 @@
               </a14:hiddenLine>
             </a:ext>
             <a:ext uri="{AF507438-7753-43E0-B8FC-AC1667EBCBE1}">
-              <a14:hiddenEffects xmlns="" xmlns:a="http://schemas.openxmlformats.org/drawingml/2006/main" xmlns:r="http://schemas.openxmlformats.org/officeDocument/2006/relationships" xmlns:p="http://schemas.openxmlformats.org/presentationml/2006/main" xmlns:a14="http://schemas.microsoft.com/office/drawing/2010/main" xmlns:mv="urn:schemas-microsoft-com:mac:vml" xmlns:mc="http://schemas.openxmlformats.org/markup-compatibility/2006">
+              <a14:hiddenEffects xmlns:mc="http://schemas.openxmlformats.org/markup-compatibility/2006" xmlns:mv="urn:schemas-microsoft-com:mac:vml" xmlns:a14="http://schemas.microsoft.com/office/drawing/2010/main" xmlns="">
                 <a:effectLst>
                   <a:outerShdw dist="35921" dir="2700000" algn="ctr" rotWithShape="0">
                     <a:schemeClr val="bg2"/>
@@ -7938,10 +7938,10 @@
           <p:nvPr/>
         </p:nvPicPr>
         <p:blipFill>
-          <a:blip r:embed="rId2" cstate="print">
+          <a:blip r:embed="rId2" cstate="email">
             <a:extLst>
               <a:ext uri="{28A0092B-C50C-407E-A947-70E740481C1C}">
-                <a14:useLocalDpi xmlns="" xmlns:a="http://schemas.openxmlformats.org/drawingml/2006/main" xmlns:r="http://schemas.openxmlformats.org/officeDocument/2006/relationships" xmlns:p="http://schemas.openxmlformats.org/presentationml/2006/main" xmlns:a14="http://schemas.microsoft.com/office/drawing/2010/main" xmlns:mv="urn:schemas-microsoft-com:mac:vml" xmlns:mc="http://schemas.openxmlformats.org/markup-compatibility/2006" val="0"/>
+                <a14:useLocalDpi xmlns:mc="http://schemas.openxmlformats.org/markup-compatibility/2006" xmlns:mv="urn:schemas-microsoft-com:mac:vml" xmlns:a14="http://schemas.microsoft.com/office/drawing/2010/main" xmlns="" val="0"/>
               </a:ext>
             </a:extLst>
           </a:blip>
@@ -7961,7 +7961,7 @@
           <a:noFill/>
           <a:extLst>
             <a:ext uri="{909E8E84-426E-40DD-AFC4-6F175D3DCCD1}">
-              <a14:hiddenFill xmlns="" xmlns:a="http://schemas.openxmlformats.org/drawingml/2006/main" xmlns:r="http://schemas.openxmlformats.org/officeDocument/2006/relationships" xmlns:p="http://schemas.openxmlformats.org/presentationml/2006/main" xmlns:a14="http://schemas.microsoft.com/office/drawing/2010/main" xmlns:mv="urn:schemas-microsoft-com:mac:vml" xmlns:mc="http://schemas.openxmlformats.org/markup-compatibility/2006">
+              <a14:hiddenFill xmlns:mc="http://schemas.openxmlformats.org/markup-compatibility/2006" xmlns:mv="urn:schemas-microsoft-com:mac:vml" xmlns:a14="http://schemas.microsoft.com/office/drawing/2010/main" xmlns="">
                 <a:solidFill>
                   <a:srgbClr val="FFFFFF"/>
                 </a:solidFill>
@@ -7973,7 +7973,7 @@
     </p:spTree>
     <p:extLst>
       <p:ext uri="{BB962C8B-B14F-4D97-AF65-F5344CB8AC3E}">
-        <p14:creationId xmlns="" xmlns:a="http://schemas.openxmlformats.org/drawingml/2006/main" xmlns:r="http://schemas.openxmlformats.org/officeDocument/2006/relationships" xmlns:p="http://schemas.openxmlformats.org/presentationml/2006/main" xmlns:p14="http://schemas.microsoft.com/office/powerpoint/2010/main" xmlns:mv="urn:schemas-microsoft-com:mac:vml" xmlns:mc="http://schemas.openxmlformats.org/markup-compatibility/2006" val="1525901274"/>
+        <p14:creationId xmlns:mc="http://schemas.openxmlformats.org/markup-compatibility/2006" xmlns:mv="urn:schemas-microsoft-com:mac:vml" xmlns:p14="http://schemas.microsoft.com/office/powerpoint/2010/main" xmlns="" val="1525901274"/>
       </p:ext>
     </p:extLst>
   </p:cSld>
@@ -7984,7 +7984,7 @@
 </file>
 
 <file path=ppt/slides/slide8.xml><?xml version="1.0" encoding="utf-8"?>
-<p:sld xmlns:a="http://schemas.openxmlformats.org/drawingml/2006/main" xmlns:r="http://schemas.openxmlformats.org/officeDocument/2006/relationships" xmlns:mc="http://schemas.openxmlformats.org/markup-compatibility/2006" xmlns:mv="urn:schemas-microsoft-com:mac:vml" xmlns:p="http://schemas.openxmlformats.org/presentationml/2006/main" mc:Ignorable="mv" mc:PreserveAttributes="mv:*">
+<p:sld xmlns:a="http://schemas.openxmlformats.org/drawingml/2006/main" xmlns:r="http://schemas.openxmlformats.org/officeDocument/2006/relationships" xmlns:p="http://schemas.openxmlformats.org/presentationml/2006/main">
   <p:cSld>
     <p:spTree>
       <p:nvGrpSpPr>
@@ -8023,14 +8023,14 @@
           <a:effectLst/>
           <a:extLst>
             <a:ext uri="{909E8E84-426E-40DD-AFC4-6F175D3DCCD1}">
-              <a14:hiddenFill xmlns="" xmlns:a="http://schemas.openxmlformats.org/drawingml/2006/main" xmlns:r="http://schemas.openxmlformats.org/officeDocument/2006/relationships" xmlns:p="http://schemas.openxmlformats.org/presentationml/2006/main" xmlns:a14="http://schemas.microsoft.com/office/drawing/2010/main" xmlns:mv="urn:schemas-microsoft-com:mac:vml" xmlns:mc="http://schemas.openxmlformats.org/markup-compatibility/2006">
+              <a14:hiddenFill xmlns:mc="http://schemas.openxmlformats.org/markup-compatibility/2006" xmlns:mv="urn:schemas-microsoft-com:mac:vml" xmlns:a14="http://schemas.microsoft.com/office/drawing/2010/main" xmlns="">
                 <a:solidFill>
                   <a:schemeClr val="accent1"/>
                 </a:solidFill>
               </a14:hiddenFill>
             </a:ext>
             <a:ext uri="{91240B29-F687-4F45-9708-019B960494DF}">
-              <a14:hiddenLine xmlns="" xmlns:a="http://schemas.openxmlformats.org/drawingml/2006/main" xmlns:r="http://schemas.openxmlformats.org/officeDocument/2006/relationships" xmlns:p="http://schemas.openxmlformats.org/presentationml/2006/main" xmlns:a14="http://schemas.microsoft.com/office/drawing/2010/main" xmlns:mv="urn:schemas-microsoft-com:mac:vml" xmlns:mc="http://schemas.openxmlformats.org/markup-compatibility/2006" w="9525">
+              <a14:hiddenLine xmlns:mc="http://schemas.openxmlformats.org/markup-compatibility/2006" xmlns:mv="urn:schemas-microsoft-com:mac:vml" xmlns:a14="http://schemas.microsoft.com/office/drawing/2010/main" xmlns="" w="9525">
                 <a:solidFill>
                   <a:schemeClr val="tx1"/>
                 </a:solidFill>
@@ -8040,7 +8040,7 @@
               </a14:hiddenLine>
             </a:ext>
             <a:ext uri="{AF507438-7753-43E0-B8FC-AC1667EBCBE1}">
-              <a14:hiddenEffects xmlns="" xmlns:a="http://schemas.openxmlformats.org/drawingml/2006/main" xmlns:r="http://schemas.openxmlformats.org/officeDocument/2006/relationships" xmlns:p="http://schemas.openxmlformats.org/presentationml/2006/main" xmlns:a14="http://schemas.microsoft.com/office/drawing/2010/main" xmlns:mv="urn:schemas-microsoft-com:mac:vml" xmlns:mc="http://schemas.openxmlformats.org/markup-compatibility/2006">
+              <a14:hiddenEffects xmlns:mc="http://schemas.openxmlformats.org/markup-compatibility/2006" xmlns:mv="urn:schemas-microsoft-com:mac:vml" xmlns:a14="http://schemas.microsoft.com/office/drawing/2010/main" xmlns="">
                 <a:effectLst>
                   <a:outerShdw dist="35921" dir="2700000" algn="ctr" rotWithShape="0">
                     <a:schemeClr val="bg2"/>
@@ -8340,10 +8340,10 @@
           <p:nvPr/>
         </p:nvPicPr>
         <p:blipFill>
-          <a:blip r:embed="rId2" cstate="print">
+          <a:blip r:embed="rId2" cstate="email">
             <a:extLst>
               <a:ext uri="{28A0092B-C50C-407E-A947-70E740481C1C}">
-                <a14:useLocalDpi xmlns="" xmlns:a="http://schemas.openxmlformats.org/drawingml/2006/main" xmlns:r="http://schemas.openxmlformats.org/officeDocument/2006/relationships" xmlns:p="http://schemas.openxmlformats.org/presentationml/2006/main" xmlns:a14="http://schemas.microsoft.com/office/drawing/2010/main" xmlns:mv="urn:schemas-microsoft-com:mac:vml" xmlns:mc="http://schemas.openxmlformats.org/markup-compatibility/2006" val="0"/>
+                <a14:useLocalDpi xmlns:mc="http://schemas.openxmlformats.org/markup-compatibility/2006" xmlns:mv="urn:schemas-microsoft-com:mac:vml" xmlns:a14="http://schemas.microsoft.com/office/drawing/2010/main" xmlns="" val="0"/>
               </a:ext>
             </a:extLst>
           </a:blip>
@@ -8363,7 +8363,7 @@
           <a:noFill/>
           <a:extLst>
             <a:ext uri="{909E8E84-426E-40DD-AFC4-6F175D3DCCD1}">
-              <a14:hiddenFill xmlns="" xmlns:a="http://schemas.openxmlformats.org/drawingml/2006/main" xmlns:r="http://schemas.openxmlformats.org/officeDocument/2006/relationships" xmlns:p="http://schemas.openxmlformats.org/presentationml/2006/main" xmlns:a14="http://schemas.microsoft.com/office/drawing/2010/main" xmlns:mv="urn:schemas-microsoft-com:mac:vml" xmlns:mc="http://schemas.openxmlformats.org/markup-compatibility/2006">
+              <a14:hiddenFill xmlns:mc="http://schemas.openxmlformats.org/markup-compatibility/2006" xmlns:mv="urn:schemas-microsoft-com:mac:vml" xmlns:a14="http://schemas.microsoft.com/office/drawing/2010/main" xmlns="">
                 <a:solidFill>
                   <a:srgbClr val="FFFFFF"/>
                 </a:solidFill>
@@ -8375,7 +8375,7 @@
     </p:spTree>
     <p:extLst>
       <p:ext uri="{BB962C8B-B14F-4D97-AF65-F5344CB8AC3E}">
-        <p14:creationId xmlns="" xmlns:a="http://schemas.openxmlformats.org/drawingml/2006/main" xmlns:r="http://schemas.openxmlformats.org/officeDocument/2006/relationships" xmlns:p="http://schemas.openxmlformats.org/presentationml/2006/main" xmlns:p14="http://schemas.microsoft.com/office/powerpoint/2010/main" xmlns:mv="urn:schemas-microsoft-com:mac:vml" xmlns:mc="http://schemas.openxmlformats.org/markup-compatibility/2006" val="56597382"/>
+        <p14:creationId xmlns:mc="http://schemas.openxmlformats.org/markup-compatibility/2006" xmlns:mv="urn:schemas-microsoft-com:mac:vml" xmlns:p14="http://schemas.microsoft.com/office/powerpoint/2010/main" xmlns="" val="56597382"/>
       </p:ext>
     </p:extLst>
   </p:cSld>
@@ -8386,7 +8386,7 @@
 </file>
 
 <file path=ppt/slides/slide9.xml><?xml version="1.0" encoding="utf-8"?>
-<p:sld xmlns:a="http://schemas.openxmlformats.org/drawingml/2006/main" xmlns:r="http://schemas.openxmlformats.org/officeDocument/2006/relationships" xmlns:mc="http://schemas.openxmlformats.org/markup-compatibility/2006" xmlns:mv="urn:schemas-microsoft-com:mac:vml" xmlns:p="http://schemas.openxmlformats.org/presentationml/2006/main" mc:Ignorable="mv" mc:PreserveAttributes="mv:*">
+<p:sld xmlns:a="http://schemas.openxmlformats.org/drawingml/2006/main" xmlns:r="http://schemas.openxmlformats.org/officeDocument/2006/relationships" xmlns:p="http://schemas.openxmlformats.org/presentationml/2006/main">
   <p:cSld>
     <p:spTree>
       <p:nvGrpSpPr>
@@ -8425,14 +8425,14 @@
           <a:effectLst/>
           <a:extLst>
             <a:ext uri="{909E8E84-426E-40DD-AFC4-6F175D3DCCD1}">
-              <a14:hiddenFill xmlns="" xmlns:a="http://schemas.openxmlformats.org/drawingml/2006/main" xmlns:r="http://schemas.openxmlformats.org/officeDocument/2006/relationships" xmlns:p="http://schemas.openxmlformats.org/presentationml/2006/main" xmlns:a14="http://schemas.microsoft.com/office/drawing/2010/main" xmlns:mv="urn:schemas-microsoft-com:mac:vml" xmlns:mc="http://schemas.openxmlformats.org/markup-compatibility/2006">
+              <a14:hiddenFill xmlns:mc="http://schemas.openxmlformats.org/markup-compatibility/2006" xmlns:mv="urn:schemas-microsoft-com:mac:vml" xmlns:a14="http://schemas.microsoft.com/office/drawing/2010/main" xmlns="">
                 <a:solidFill>
                   <a:schemeClr val="accent1"/>
                 </a:solidFill>
               </a14:hiddenFill>
             </a:ext>
             <a:ext uri="{91240B29-F687-4F45-9708-019B960494DF}">
-              <a14:hiddenLine xmlns="" xmlns:a="http://schemas.openxmlformats.org/drawingml/2006/main" xmlns:r="http://schemas.openxmlformats.org/officeDocument/2006/relationships" xmlns:p="http://schemas.openxmlformats.org/presentationml/2006/main" xmlns:a14="http://schemas.microsoft.com/office/drawing/2010/main" xmlns:mv="urn:schemas-microsoft-com:mac:vml" xmlns:mc="http://schemas.openxmlformats.org/markup-compatibility/2006" w="9525">
+              <a14:hiddenLine xmlns:mc="http://schemas.openxmlformats.org/markup-compatibility/2006" xmlns:mv="urn:schemas-microsoft-com:mac:vml" xmlns:a14="http://schemas.microsoft.com/office/drawing/2010/main" xmlns="" w="9525">
                 <a:solidFill>
                   <a:schemeClr val="tx1"/>
                 </a:solidFill>
@@ -8442,7 +8442,7 @@
               </a14:hiddenLine>
             </a:ext>
             <a:ext uri="{AF507438-7753-43E0-B8FC-AC1667EBCBE1}">
-              <a14:hiddenEffects xmlns="" xmlns:a="http://schemas.openxmlformats.org/drawingml/2006/main" xmlns:r="http://schemas.openxmlformats.org/officeDocument/2006/relationships" xmlns:p="http://schemas.openxmlformats.org/presentationml/2006/main" xmlns:a14="http://schemas.microsoft.com/office/drawing/2010/main" xmlns:mv="urn:schemas-microsoft-com:mac:vml" xmlns:mc="http://schemas.openxmlformats.org/markup-compatibility/2006">
+              <a14:hiddenEffects xmlns:mc="http://schemas.openxmlformats.org/markup-compatibility/2006" xmlns:mv="urn:schemas-microsoft-com:mac:vml" xmlns:a14="http://schemas.microsoft.com/office/drawing/2010/main" xmlns="">
                 <a:effectLst>
                   <a:outerShdw dist="35921" dir="2700000" algn="ctr" rotWithShape="0">
                     <a:schemeClr val="bg2"/>
@@ -8662,7 +8662,7 @@
           <p:nvPr/>
         </p:nvPicPr>
         <p:blipFill>
-          <a:blip r:embed="rId2"/>
+          <a:blip r:embed="rId2" cstate="email"/>
           <a:stretch>
             <a:fillRect/>
           </a:stretch>
@@ -8680,7 +8680,7 @@
     </p:spTree>
     <p:extLst>
       <p:ext uri="{BB962C8B-B14F-4D97-AF65-F5344CB8AC3E}">
-        <p14:creationId xmlns="" xmlns:a="http://schemas.openxmlformats.org/drawingml/2006/main" xmlns:r="http://schemas.openxmlformats.org/officeDocument/2006/relationships" xmlns:p="http://schemas.openxmlformats.org/presentationml/2006/main" xmlns:p14="http://schemas.microsoft.com/office/powerpoint/2010/main" xmlns:mv="urn:schemas-microsoft-com:mac:vml" xmlns:mc="http://schemas.openxmlformats.org/markup-compatibility/2006" val="56597382"/>
+        <p14:creationId xmlns:mc="http://schemas.openxmlformats.org/markup-compatibility/2006" xmlns:mv="urn:schemas-microsoft-com:mac:vml" xmlns:p14="http://schemas.microsoft.com/office/powerpoint/2010/main" xmlns="" val="56597382"/>
       </p:ext>
     </p:extLst>
   </p:cSld>
